--- a/ai_ml_ds_eco_exec.pptx
+++ b/ai_ml_ds_eco_exec.pptx
@@ -7436,7 +7436,7 @@
           <a:p>
             <a:r>
               <a:rPr lang="en-US" dirty="0"/>
-              <a:t>DEFINITION</a:t>
+              <a:t>OVERSIMPLIFIED-DEFINITION</a:t>
             </a:r>
           </a:p>
         </p:txBody>

--- a/ai_ml_ds_eco_exec.pptx
+++ b/ai_ml_ds_eco_exec.pptx
@@ -6,23 +6,22 @@
   </p:sldMasterIdLst>
   <p:sldIdLst>
     <p:sldId id="256" r:id="rId2"/>
-    <p:sldId id="265" r:id="rId3"/>
-    <p:sldId id="259" r:id="rId4"/>
-    <p:sldId id="257" r:id="rId5"/>
-    <p:sldId id="258" r:id="rId6"/>
-    <p:sldId id="267" r:id="rId7"/>
-    <p:sldId id="268" r:id="rId8"/>
-    <p:sldId id="269" r:id="rId9"/>
-    <p:sldId id="270" r:id="rId10"/>
-    <p:sldId id="271" r:id="rId11"/>
-    <p:sldId id="261" r:id="rId12"/>
-    <p:sldId id="266" r:id="rId13"/>
-    <p:sldId id="262" r:id="rId14"/>
-    <p:sldId id="263" r:id="rId15"/>
-    <p:sldId id="264" r:id="rId16"/>
-    <p:sldId id="272" r:id="rId17"/>
-    <p:sldId id="273" r:id="rId18"/>
-    <p:sldId id="260" r:id="rId19"/>
+    <p:sldId id="259" r:id="rId3"/>
+    <p:sldId id="257" r:id="rId4"/>
+    <p:sldId id="258" r:id="rId5"/>
+    <p:sldId id="267" r:id="rId6"/>
+    <p:sldId id="268" r:id="rId7"/>
+    <p:sldId id="269" r:id="rId8"/>
+    <p:sldId id="270" r:id="rId9"/>
+    <p:sldId id="271" r:id="rId10"/>
+    <p:sldId id="261" r:id="rId11"/>
+    <p:sldId id="266" r:id="rId12"/>
+    <p:sldId id="262" r:id="rId13"/>
+    <p:sldId id="263" r:id="rId14"/>
+    <p:sldId id="264" r:id="rId15"/>
+    <p:sldId id="272" r:id="rId16"/>
+    <p:sldId id="273" r:id="rId17"/>
+    <p:sldId id="260" r:id="rId18"/>
   </p:sldIdLst>
   <p:sldSz cx="12192000" cy="6858000"/>
   <p:notesSz cx="6858000" cy="9144000"/>
@@ -121,6 +120,11 @@
       </a:defRPr>
     </a:lvl9pPr>
   </p:defaultTextStyle>
+  <p:extLst>
+    <p:ext uri="{EFAFB233-063F-42B5-8137-9DF3F51BA10A}">
+      <p15:sldGuideLst xmlns:p15="http://schemas.microsoft.com/office/powerpoint/2012/main"/>
+    </p:ext>
+  </p:extLst>
 </p:presentation>
 </file>
 
@@ -264,7 +268,7 @@
             <a:fld id="{48A87A34-81AB-432B-8DAE-1953F412C126}" type="datetimeFigureOut">
               <a:rPr lang="en-US" smtClean="0"/>
               <a:pPr/>
-              <a:t>11/27/18</a:t>
+              <a:t>11/29/18</a:t>
             </a:fld>
             <a:endParaRPr lang="en-US" dirty="0"/>
           </a:p>
@@ -476,7 +480,7 @@
             <a:fld id="{48A87A34-81AB-432B-8DAE-1953F412C126}" type="datetimeFigureOut">
               <a:rPr lang="en-US" smtClean="0"/>
               <a:pPr/>
-              <a:t>11/27/18</a:t>
+              <a:t>11/29/18</a:t>
             </a:fld>
             <a:endParaRPr lang="en-US" dirty="0"/>
           </a:p>
@@ -693,7 +697,7 @@
             <a:fld id="{48A87A34-81AB-432B-8DAE-1953F412C126}" type="datetimeFigureOut">
               <a:rPr lang="en-US" smtClean="0"/>
               <a:pPr/>
-              <a:t>11/27/18</a:t>
+              <a:t>11/29/18</a:t>
             </a:fld>
             <a:endParaRPr lang="en-US" dirty="0"/>
           </a:p>
@@ -910,7 +914,7 @@
             <a:fld id="{48A87A34-81AB-432B-8DAE-1953F412C126}" type="datetimeFigureOut">
               <a:rPr lang="en-US" smtClean="0"/>
               <a:pPr/>
-              <a:t>11/27/18</a:t>
+              <a:t>11/29/18</a:t>
             </a:fld>
             <a:endParaRPr lang="en-US" dirty="0"/>
           </a:p>
@@ -1200,7 +1204,7 @@
           <a:p>
             <a:fld id="{48A87A34-81AB-432B-8DAE-1953F412C126}" type="datetimeFigureOut">
               <a:rPr lang="en-US" smtClean="0"/>
-              <a:t>11/27/18</a:t>
+              <a:t>11/29/18</a:t>
             </a:fld>
             <a:endParaRPr lang="en-US" dirty="0"/>
           </a:p>
@@ -1469,7 +1473,7 @@
             <a:fld id="{48A87A34-81AB-432B-8DAE-1953F412C126}" type="datetimeFigureOut">
               <a:rPr lang="en-US" smtClean="0"/>
               <a:pPr/>
-              <a:t>11/27/18</a:t>
+              <a:t>11/29/18</a:t>
             </a:fld>
             <a:endParaRPr lang="en-US" dirty="0"/>
           </a:p>
@@ -1887,7 +1891,7 @@
             <a:fld id="{48A87A34-81AB-432B-8DAE-1953F412C126}" type="datetimeFigureOut">
               <a:rPr lang="en-US" smtClean="0"/>
               <a:pPr/>
-              <a:t>11/27/18</a:t>
+              <a:t>11/29/18</a:t>
             </a:fld>
             <a:endParaRPr lang="en-US" dirty="0"/>
           </a:p>
@@ -2037,7 +2041,7 @@
           <a:p>
             <a:fld id="{48A87A34-81AB-432B-8DAE-1953F412C126}" type="datetimeFigureOut">
               <a:rPr lang="en-US" smtClean="0"/>
-              <a:t>11/27/18</a:t>
+              <a:t>11/29/18</a:t>
             </a:fld>
             <a:endParaRPr lang="en-US" dirty="0"/>
           </a:p>
@@ -2163,7 +2167,7 @@
           <a:p>
             <a:fld id="{48A87A34-81AB-432B-8DAE-1953F412C126}" type="datetimeFigureOut">
               <a:rPr lang="en-US" smtClean="0"/>
-              <a:t>11/27/18</a:t>
+              <a:t>11/29/18</a:t>
             </a:fld>
             <a:endParaRPr lang="en-US" dirty="0"/>
           </a:p>
@@ -2415,7 +2419,7 @@
             <a:fld id="{48A87A34-81AB-432B-8DAE-1953F412C126}" type="datetimeFigureOut">
               <a:rPr lang="en-US" smtClean="0"/>
               <a:pPr/>
-              <a:t>11/27/18</a:t>
+              <a:t>11/29/18</a:t>
             </a:fld>
             <a:endParaRPr lang="en-US" dirty="0"/>
           </a:p>
@@ -2862,7 +2866,7 @@
             <a:fld id="{48A87A34-81AB-432B-8DAE-1953F412C126}" type="datetimeFigureOut">
               <a:rPr lang="en-US" smtClean="0"/>
               <a:pPr/>
-              <a:t>11/27/18</a:t>
+              <a:t>11/29/18</a:t>
             </a:fld>
             <a:endParaRPr lang="en-US" dirty="0"/>
           </a:p>
@@ -3160,7 +3164,7 @@
             <a:fld id="{48A87A34-81AB-432B-8DAE-1953F412C126}" type="datetimeFigureOut">
               <a:rPr lang="en-US" smtClean="0"/>
               <a:pPr/>
-              <a:t>11/27/18</a:t>
+              <a:t>11/29/18</a:t>
             </a:fld>
             <a:endParaRPr lang="en-US" dirty="0"/>
           </a:p>
@@ -3738,17 +3742,17 @@
           <a:p>
             <a:r>
               <a:rPr lang="en-US" dirty="0"/>
-              <a:t>Deep learning frameworks</a:t>
+              <a:t>Data science FRAMEWORK #1</a:t>
             </a:r>
           </a:p>
         </p:txBody>
       </p:sp>
       <p:pic>
         <p:nvPicPr>
-          <p:cNvPr id="7170" name="Picture 2" descr="top-deep-learning-framework">
+          <p:cNvPr id="1028" name="Picture 4" descr="Cross-industry standard process for data mining - Wikipedia">
             <a:extLst>
               <a:ext uri="{FF2B5EF4-FFF2-40B4-BE49-F238E27FC236}">
-                <a16:creationId xmlns:a16="http://schemas.microsoft.com/office/drawing/2014/main" id="{0D5A91C6-4F2D-C24C-8776-332BFC6EB35F}"/>
+                <a16:creationId xmlns:a16="http://schemas.microsoft.com/office/drawing/2014/main" id="{2B4E2504-CF28-B94D-8832-202C0E7E003F}"/>
               </a:ext>
             </a:extLst>
           </p:cNvPr>
@@ -3772,8 +3776,8 @@
         </p:blipFill>
         <p:spPr bwMode="auto">
           <a:xfrm>
-            <a:off x="864691" y="1489177"/>
-            <a:ext cx="2198819" cy="1839199"/>
+            <a:off x="1462569" y="1199400"/>
+            <a:ext cx="5414026" cy="5422814"/>
           </a:xfrm>
           <a:prstGeom prst="rect">
             <a:avLst/>
@@ -3790,344 +3794,6 @@
           </a:extLst>
         </p:spPr>
       </p:pic>
-      <p:pic>
-        <p:nvPicPr>
-          <p:cNvPr id="7172" name="Picture 4" descr="pytorch-top-deep-learning-framework">
-            <a:extLst>
-              <a:ext uri="{FF2B5EF4-FFF2-40B4-BE49-F238E27FC236}">
-                <a16:creationId xmlns:a16="http://schemas.microsoft.com/office/drawing/2014/main" id="{61B2BB56-9DAC-AD45-BC6D-65BA24EE1B20}"/>
-              </a:ext>
-            </a:extLst>
-          </p:cNvPr>
-          <p:cNvPicPr>
-            <a:picLocks noChangeAspect="1" noChangeArrowheads="1"/>
-          </p:cNvPicPr>
-          <p:nvPr/>
-        </p:nvPicPr>
-        <p:blipFill>
-          <a:blip r:embed="rId3">
-            <a:extLst>
-              <a:ext uri="{28A0092B-C50C-407E-A947-70E740481C1C}">
-                <a14:useLocalDpi xmlns:a14="http://schemas.microsoft.com/office/drawing/2010/main" val="0"/>
-              </a:ext>
-            </a:extLst>
-          </a:blip>
-          <a:srcRect/>
-          <a:stretch>
-            <a:fillRect/>
-          </a:stretch>
-        </p:blipFill>
-        <p:spPr bwMode="auto">
-          <a:xfrm>
-            <a:off x="7362329" y="2083776"/>
-            <a:ext cx="4559300" cy="1244600"/>
-          </a:xfrm>
-          <a:prstGeom prst="rect">
-            <a:avLst/>
-          </a:prstGeom>
-          <a:noFill/>
-          <a:extLst>
-            <a:ext uri="{909E8E84-426E-40DD-AFC4-6F175D3DCCD1}">
-              <a14:hiddenFill xmlns:a14="http://schemas.microsoft.com/office/drawing/2010/main">
-                <a:solidFill>
-                  <a:srgbClr val="FFFFFF"/>
-                </a:solidFill>
-              </a14:hiddenFill>
-            </a:ext>
-          </a:extLst>
-        </p:spPr>
-      </p:pic>
-      <p:pic>
-        <p:nvPicPr>
-          <p:cNvPr id="7174" name="Picture 6" descr="keras-top-deep-learning-framework">
-            <a:extLst>
-              <a:ext uri="{FF2B5EF4-FFF2-40B4-BE49-F238E27FC236}">
-                <a16:creationId xmlns:a16="http://schemas.microsoft.com/office/drawing/2014/main" id="{6A594423-6075-B84B-B060-0FE98A802109}"/>
-              </a:ext>
-            </a:extLst>
-          </p:cNvPr>
-          <p:cNvPicPr>
-            <a:picLocks noChangeAspect="1" noChangeArrowheads="1"/>
-          </p:cNvPicPr>
-          <p:nvPr/>
-        </p:nvPicPr>
-        <p:blipFill>
-          <a:blip r:embed="rId4">
-            <a:extLst>
-              <a:ext uri="{28A0092B-C50C-407E-A947-70E740481C1C}">
-                <a14:useLocalDpi xmlns:a14="http://schemas.microsoft.com/office/drawing/2010/main" val="0"/>
-              </a:ext>
-            </a:extLst>
-          </a:blip>
-          <a:srcRect/>
-          <a:stretch>
-            <a:fillRect/>
-          </a:stretch>
-        </p:blipFill>
-        <p:spPr bwMode="auto">
-          <a:xfrm>
-            <a:off x="3590429" y="2236176"/>
-            <a:ext cx="3771900" cy="1092200"/>
-          </a:xfrm>
-          <a:prstGeom prst="rect">
-            <a:avLst/>
-          </a:prstGeom>
-          <a:noFill/>
-          <a:extLst>
-            <a:ext uri="{909E8E84-426E-40DD-AFC4-6F175D3DCCD1}">
-              <a14:hiddenFill xmlns:a14="http://schemas.microsoft.com/office/drawing/2010/main">
-                <a:solidFill>
-                  <a:srgbClr val="FFFFFF"/>
-                </a:solidFill>
-              </a14:hiddenFill>
-            </a:ext>
-          </a:extLst>
-        </p:spPr>
-      </p:pic>
-      <p:pic>
-        <p:nvPicPr>
-          <p:cNvPr id="7176" name="Picture 8" descr="microsoft-top-deep-learning-framework">
-            <a:extLst>
-              <a:ext uri="{FF2B5EF4-FFF2-40B4-BE49-F238E27FC236}">
-                <a16:creationId xmlns:a16="http://schemas.microsoft.com/office/drawing/2014/main" id="{3C8A805F-6830-5044-810A-A195E291F45B}"/>
-              </a:ext>
-            </a:extLst>
-          </p:cNvPr>
-          <p:cNvPicPr>
-            <a:picLocks noChangeAspect="1" noChangeArrowheads="1"/>
-          </p:cNvPicPr>
-          <p:nvPr/>
-        </p:nvPicPr>
-        <p:blipFill rotWithShape="1">
-          <a:blip r:embed="rId5">
-            <a:extLst>
-              <a:ext uri="{28A0092B-C50C-407E-A947-70E740481C1C}">
-                <a14:useLocalDpi xmlns:a14="http://schemas.microsoft.com/office/drawing/2010/main" val="0"/>
-              </a:ext>
-            </a:extLst>
-          </a:blip>
-          <a:srcRect l="25546" r="27701"/>
-          <a:stretch/>
-        </p:blipFill>
-        <p:spPr bwMode="auto">
-          <a:xfrm>
-            <a:off x="2570521" y="4004058"/>
-            <a:ext cx="1828800" cy="2197100"/>
-          </a:xfrm>
-          <a:prstGeom prst="rect">
-            <a:avLst/>
-          </a:prstGeom>
-          <a:noFill/>
-          <a:extLst>
-            <a:ext uri="{909E8E84-426E-40DD-AFC4-6F175D3DCCD1}">
-              <a14:hiddenFill xmlns:a14="http://schemas.microsoft.com/office/drawing/2010/main">
-                <a:solidFill>
-                  <a:srgbClr val="FFFFFF"/>
-                </a:solidFill>
-              </a14:hiddenFill>
-            </a:ext>
-          </a:extLst>
-        </p:spPr>
-      </p:pic>
-      <p:pic>
-        <p:nvPicPr>
-          <p:cNvPr id="7178" name="Picture 10" descr="Image result for gluon">
-            <a:extLst>
-              <a:ext uri="{FF2B5EF4-FFF2-40B4-BE49-F238E27FC236}">
-                <a16:creationId xmlns:a16="http://schemas.microsoft.com/office/drawing/2014/main" id="{E71F37B9-442F-2C46-84E2-964985DDC709}"/>
-              </a:ext>
-            </a:extLst>
-          </p:cNvPr>
-          <p:cNvPicPr>
-            <a:picLocks noChangeAspect="1" noChangeArrowheads="1"/>
-          </p:cNvPicPr>
-          <p:nvPr/>
-        </p:nvPicPr>
-        <p:blipFill>
-          <a:blip r:embed="rId6">
-            <a:extLst>
-              <a:ext uri="{28A0092B-C50C-407E-A947-70E740481C1C}">
-                <a14:useLocalDpi xmlns:a14="http://schemas.microsoft.com/office/drawing/2010/main" val="0"/>
-              </a:ext>
-            </a:extLst>
-          </a:blip>
-          <a:srcRect/>
-          <a:stretch>
-            <a:fillRect/>
-          </a:stretch>
-        </p:blipFill>
-        <p:spPr bwMode="auto">
-          <a:xfrm>
-            <a:off x="8264029" y="4383126"/>
-            <a:ext cx="2075755" cy="1619089"/>
-          </a:xfrm>
-          <a:prstGeom prst="rect">
-            <a:avLst/>
-          </a:prstGeom>
-          <a:noFill/>
-          <a:extLst>
-            <a:ext uri="{909E8E84-426E-40DD-AFC4-6F175D3DCCD1}">
-              <a14:hiddenFill xmlns:a14="http://schemas.microsoft.com/office/drawing/2010/main">
-                <a:solidFill>
-                  <a:srgbClr val="FFFFFF"/>
-                </a:solidFill>
-              </a14:hiddenFill>
-            </a:ext>
-          </a:extLst>
-        </p:spPr>
-      </p:pic>
-      <p:pic>
-        <p:nvPicPr>
-          <p:cNvPr id="7180" name="Picture 12" descr="Image result for mxnet">
-            <a:extLst>
-              <a:ext uri="{FF2B5EF4-FFF2-40B4-BE49-F238E27FC236}">
-                <a16:creationId xmlns:a16="http://schemas.microsoft.com/office/drawing/2014/main" id="{AD5A7E58-829C-3649-9C4A-71FC9920994A}"/>
-              </a:ext>
-            </a:extLst>
-          </p:cNvPr>
-          <p:cNvPicPr>
-            <a:picLocks noChangeAspect="1" noChangeArrowheads="1"/>
-          </p:cNvPicPr>
-          <p:nvPr/>
-        </p:nvPicPr>
-        <p:blipFill>
-          <a:blip r:embed="rId7">
-            <a:extLst>
-              <a:ext uri="{28A0092B-C50C-407E-A947-70E740481C1C}">
-                <a14:useLocalDpi xmlns:a14="http://schemas.microsoft.com/office/drawing/2010/main" val="0"/>
-              </a:ext>
-            </a:extLst>
-          </a:blip>
-          <a:srcRect/>
-          <a:stretch>
-            <a:fillRect/>
-          </a:stretch>
-        </p:blipFill>
-        <p:spPr bwMode="auto">
-          <a:xfrm>
-            <a:off x="4744175" y="4649745"/>
-            <a:ext cx="3175000" cy="1085850"/>
-          </a:xfrm>
-          <a:prstGeom prst="rect">
-            <a:avLst/>
-          </a:prstGeom>
-          <a:noFill/>
-          <a:extLst>
-            <a:ext uri="{909E8E84-426E-40DD-AFC4-6F175D3DCCD1}">
-              <a14:hiddenFill xmlns:a14="http://schemas.microsoft.com/office/drawing/2010/main">
-                <a:solidFill>
-                  <a:srgbClr val="FFFFFF"/>
-                </a:solidFill>
-              </a14:hiddenFill>
-            </a:ext>
-          </a:extLst>
-        </p:spPr>
-      </p:pic>
-    </p:spTree>
-    <p:extLst>
-      <p:ext uri="{BB962C8B-B14F-4D97-AF65-F5344CB8AC3E}">
-        <p14:creationId xmlns:p14="http://schemas.microsoft.com/office/powerpoint/2010/main" val="4193801918"/>
-      </p:ext>
-    </p:extLst>
-  </p:cSld>
-  <p:clrMapOvr>
-    <a:masterClrMapping/>
-  </p:clrMapOvr>
-</p:sld>
-</file>
-
-<file path=ppt/slides/slide11.xml><?xml version="1.0" encoding="utf-8"?>
-<p:sld xmlns:a="http://schemas.openxmlformats.org/drawingml/2006/main" xmlns:r="http://schemas.openxmlformats.org/officeDocument/2006/relationships" xmlns:p="http://schemas.openxmlformats.org/presentationml/2006/main">
-  <p:cSld>
-    <p:spTree>
-      <p:nvGrpSpPr>
-        <p:cNvPr id="1" name=""/>
-        <p:cNvGrpSpPr/>
-        <p:nvPr/>
-      </p:nvGrpSpPr>
-      <p:grpSpPr>
-        <a:xfrm>
-          <a:off x="0" y="0"/>
-          <a:ext cx="0" cy="0"/>
-          <a:chOff x="0" y="0"/>
-          <a:chExt cx="0" cy="0"/>
-        </a:xfrm>
-      </p:grpSpPr>
-      <p:sp>
-        <p:nvSpPr>
-          <p:cNvPr id="2" name="Title 1">
-            <a:extLst>
-              <a:ext uri="{FF2B5EF4-FFF2-40B4-BE49-F238E27FC236}">
-                <a16:creationId xmlns:a16="http://schemas.microsoft.com/office/drawing/2014/main" id="{ABE8B593-0ABB-7642-B90E-F3895B775AB8}"/>
-              </a:ext>
-            </a:extLst>
-          </p:cNvPr>
-          <p:cNvSpPr>
-            <a:spLocks noGrp="1"/>
-          </p:cNvSpPr>
-          <p:nvPr>
-            <p:ph type="title"/>
-          </p:nvPr>
-        </p:nvSpPr>
-        <p:spPr/>
-        <p:txBody>
-          <a:bodyPr/>
-          <a:lstStyle/>
-          <a:p>
-            <a:r>
-              <a:rPr lang="en-US" dirty="0"/>
-              <a:t>Data science FRAMEWORK #1</a:t>
-            </a:r>
-          </a:p>
-        </p:txBody>
-      </p:sp>
-      <p:pic>
-        <p:nvPicPr>
-          <p:cNvPr id="1028" name="Picture 4" descr="Cross-industry standard process for data mining - Wikipedia">
-            <a:extLst>
-              <a:ext uri="{FF2B5EF4-FFF2-40B4-BE49-F238E27FC236}">
-                <a16:creationId xmlns:a16="http://schemas.microsoft.com/office/drawing/2014/main" id="{2B4E2504-CF28-B94D-8832-202C0E7E003F}"/>
-              </a:ext>
-            </a:extLst>
-          </p:cNvPr>
-          <p:cNvPicPr>
-            <a:picLocks noChangeAspect="1" noChangeArrowheads="1"/>
-          </p:cNvPicPr>
-          <p:nvPr/>
-        </p:nvPicPr>
-        <p:blipFill>
-          <a:blip r:embed="rId2">
-            <a:extLst>
-              <a:ext uri="{28A0092B-C50C-407E-A947-70E740481C1C}">
-                <a14:useLocalDpi xmlns:a14="http://schemas.microsoft.com/office/drawing/2010/main" val="0"/>
-              </a:ext>
-            </a:extLst>
-          </a:blip>
-          <a:srcRect/>
-          <a:stretch>
-            <a:fillRect/>
-          </a:stretch>
-        </p:blipFill>
-        <p:spPr bwMode="auto">
-          <a:xfrm>
-            <a:off x="1462569" y="1199400"/>
-            <a:ext cx="5414026" cy="5422814"/>
-          </a:xfrm>
-          <a:prstGeom prst="rect">
-            <a:avLst/>
-          </a:prstGeom>
-          <a:noFill/>
-          <a:extLst>
-            <a:ext uri="{909E8E84-426E-40DD-AFC4-6F175D3DCCD1}">
-              <a14:hiddenFill xmlns:a14="http://schemas.microsoft.com/office/drawing/2010/main">
-                <a:solidFill>
-                  <a:srgbClr val="FFFFFF"/>
-                </a:solidFill>
-              </a14:hiddenFill>
-            </a:ext>
-          </a:extLst>
-        </p:spPr>
-      </p:pic>
       <p:sp>
         <p:nvSpPr>
           <p:cNvPr id="10" name="TextBox 9">
@@ -4189,7 +3855,7 @@
 </p:sld>
 </file>
 
-<file path=ppt/slides/slide12.xml><?xml version="1.0" encoding="utf-8"?>
+<file path=ppt/slides/slide11.xml><?xml version="1.0" encoding="utf-8"?>
 <p:sld xmlns:a="http://schemas.openxmlformats.org/drawingml/2006/main" xmlns:r="http://schemas.openxmlformats.org/officeDocument/2006/relationships" xmlns:p="http://schemas.openxmlformats.org/presentationml/2006/main">
   <p:cSld>
     <p:spTree>
@@ -5751,7 +5417,7 @@
 </p:sld>
 </file>
 
-<file path=ppt/slides/slide13.xml><?xml version="1.0" encoding="utf-8"?>
+<file path=ppt/slides/slide12.xml><?xml version="1.0" encoding="utf-8"?>
 <p:sld xmlns:a="http://schemas.openxmlformats.org/drawingml/2006/main" xmlns:r="http://schemas.openxmlformats.org/officeDocument/2006/relationships" xmlns:p="http://schemas.openxmlformats.org/presentationml/2006/main">
   <p:cSld>
     <p:spTree>
@@ -5885,7 +5551,7 @@
 </p:sld>
 </file>
 
-<file path=ppt/slides/slide14.xml><?xml version="1.0" encoding="utf-8"?>
+<file path=ppt/slides/slide13.xml><?xml version="1.0" encoding="utf-8"?>
 <p:sld xmlns:a="http://schemas.openxmlformats.org/drawingml/2006/main" xmlns:r="http://schemas.openxmlformats.org/officeDocument/2006/relationships" xmlns:p="http://schemas.openxmlformats.org/presentationml/2006/main">
   <p:cSld>
     <p:spTree>
@@ -6074,7 +5740,7 @@
 </p:sld>
 </file>
 
-<file path=ppt/slides/slide15.xml><?xml version="1.0" encoding="utf-8"?>
+<file path=ppt/slides/slide14.xml><?xml version="1.0" encoding="utf-8"?>
 <p:sld xmlns:a="http://schemas.openxmlformats.org/drawingml/2006/main" xmlns:r="http://schemas.openxmlformats.org/officeDocument/2006/relationships" xmlns:p="http://schemas.openxmlformats.org/presentationml/2006/main">
   <p:cSld>
     <p:spTree>
@@ -6279,7 +5945,7 @@
 </p:sld>
 </file>
 
-<file path=ppt/slides/slide16.xml><?xml version="1.0" encoding="utf-8"?>
+<file path=ppt/slides/slide15.xml><?xml version="1.0" encoding="utf-8"?>
 <p:sld xmlns:a="http://schemas.openxmlformats.org/drawingml/2006/main" xmlns:r="http://schemas.openxmlformats.org/officeDocument/2006/relationships" xmlns:p="http://schemas.openxmlformats.org/presentationml/2006/main">
   <p:cSld>
     <p:spTree>
@@ -6492,7 +6158,7 @@
 </p:sld>
 </file>
 
-<file path=ppt/slides/slide17.xml><?xml version="1.0" encoding="utf-8"?>
+<file path=ppt/slides/slide16.xml><?xml version="1.0" encoding="utf-8"?>
 <p:sld xmlns:a="http://schemas.openxmlformats.org/drawingml/2006/main" xmlns:r="http://schemas.openxmlformats.org/officeDocument/2006/relationships" xmlns:p="http://schemas.openxmlformats.org/presentationml/2006/main">
   <p:cSld>
     <p:spTree>
@@ -6861,7 +6527,7 @@
 </p:sld>
 </file>
 
-<file path=ppt/slides/slide18.xml><?xml version="1.0" encoding="utf-8"?>
+<file path=ppt/slides/slide17.xml><?xml version="1.0" encoding="utf-8"?>
 <p:sld xmlns:a="http://schemas.openxmlformats.org/drawingml/2006/main" xmlns:r="http://schemas.openxmlformats.org/officeDocument/2006/relationships" xmlns:p="http://schemas.openxmlformats.org/presentationml/2006/main">
   <p:cSld>
     <p:spTree>
@@ -7053,340 +6719,133 @@
           <a:p>
             <a:r>
               <a:rPr lang="en-US" dirty="0"/>
-              <a:t>ABOUT ME</a:t>
-            </a:r>
-          </a:p>
-        </p:txBody>
-      </p:sp>
-      <p:pic>
-        <p:nvPicPr>
-          <p:cNvPr id="6" name="Picture 2" descr="https://upload.wikimedia.org/wikipedia/commons/4/42/GCT_CSE.jpg">
+              <a:t>OVERSIMPLIFIED-DEFINITION</a:t>
+            </a:r>
+          </a:p>
+        </p:txBody>
+      </p:sp>
+      <p:sp>
+        <p:nvSpPr>
+          <p:cNvPr id="3" name="Content Placeholder 2">
             <a:extLst>
               <a:ext uri="{FF2B5EF4-FFF2-40B4-BE49-F238E27FC236}">
-                <a16:creationId xmlns:a16="http://schemas.microsoft.com/office/drawing/2014/main" id="{F8ACF186-9BF1-2D48-A4F7-09BA4F6CF312}"/>
+                <a16:creationId xmlns:a16="http://schemas.microsoft.com/office/drawing/2014/main" id="{8BC366B1-71F6-5B48-A15A-98D93DA64F8D}"/>
               </a:ext>
             </a:extLst>
           </p:cNvPr>
-          <p:cNvPicPr>
-            <a:picLocks noChangeAspect="1" noChangeArrowheads="1"/>
-          </p:cNvPicPr>
+          <p:cNvSpPr>
+            <a:spLocks noGrp="1"/>
+          </p:cNvSpPr>
+          <p:nvPr>
+            <p:ph idx="1"/>
+          </p:nvPr>
+        </p:nvSpPr>
+        <p:spPr/>
+        <p:txBody>
+          <a:bodyPr>
+            <a:normAutofit/>
+          </a:bodyPr>
+          <a:lstStyle/>
+          <a:p>
+            <a:r>
+              <a:rPr lang="en-IN" sz="2800" b="1" dirty="0"/>
+              <a:t>Data science</a:t>
+            </a:r>
+            <a:r>
+              <a:rPr lang="en-IN" sz="2800" dirty="0"/>
+              <a:t> produces </a:t>
+            </a:r>
+            <a:r>
+              <a:rPr lang="en-IN" sz="2800" b="1" dirty="0"/>
+              <a:t>insights</a:t>
+            </a:r>
+            <a:endParaRPr lang="en-IN" sz="2800" dirty="0"/>
+          </a:p>
+          <a:p>
+            <a:r>
+              <a:rPr lang="en-IN" sz="2800" b="1" dirty="0"/>
+              <a:t>Machine learning</a:t>
+            </a:r>
+            <a:r>
+              <a:rPr lang="en-IN" sz="2800" dirty="0"/>
+              <a:t> produces </a:t>
+            </a:r>
+            <a:r>
+              <a:rPr lang="en-IN" sz="2800" b="1" dirty="0"/>
+              <a:t>predictions</a:t>
+            </a:r>
+            <a:endParaRPr lang="en-IN" sz="2800" dirty="0"/>
+          </a:p>
+          <a:p>
+            <a:r>
+              <a:rPr lang="en-IN" sz="2800" b="1" dirty="0"/>
+              <a:t>Artificial intelligence</a:t>
+            </a:r>
+            <a:r>
+              <a:rPr lang="en-IN" sz="2800" dirty="0"/>
+              <a:t> produces </a:t>
+            </a:r>
+            <a:r>
+              <a:rPr lang="en-IN" sz="2800" b="1" dirty="0"/>
+              <a:t>actions</a:t>
+            </a:r>
+            <a:endParaRPr lang="en-IN" sz="2800" dirty="0"/>
+          </a:p>
+        </p:txBody>
+      </p:sp>
+      <p:sp>
+        <p:nvSpPr>
+          <p:cNvPr id="4" name="TextBox 3">
+            <a:extLst>
+              <a:ext uri="{FF2B5EF4-FFF2-40B4-BE49-F238E27FC236}">
+                <a16:creationId xmlns:a16="http://schemas.microsoft.com/office/drawing/2014/main" id="{E9BB73CC-DB7A-D94D-9B19-D0F52857C2D3}"/>
+              </a:ext>
+            </a:extLst>
+          </p:cNvPr>
+          <p:cNvSpPr txBox="1"/>
           <p:nvPr/>
-        </p:nvPicPr>
-        <p:blipFill>
-          <a:blip r:embed="rId2">
-            <a:extLst>
-              <a:ext uri="{28A0092B-C50C-407E-A947-70E740481C1C}">
-                <a14:useLocalDpi xmlns:a14="http://schemas.microsoft.com/office/drawing/2010/main" val="0"/>
-              </a:ext>
-            </a:extLst>
-          </a:blip>
-          <a:srcRect/>
-          <a:stretch>
-            <a:fillRect/>
-          </a:stretch>
-        </p:blipFill>
-        <p:spPr bwMode="auto">
-          <a:xfrm>
-            <a:off x="1462569" y="1357306"/>
-            <a:ext cx="2722888" cy="1820932"/>
+        </p:nvSpPr>
+        <p:spPr>
+          <a:xfrm>
+            <a:off x="7574062" y="6211669"/>
+            <a:ext cx="6728120" cy="646331"/>
           </a:xfrm>
           <a:prstGeom prst="rect">
             <a:avLst/>
           </a:prstGeom>
           <a:noFill/>
-          <a:extLst>
-            <a:ext uri="{909E8E84-426E-40DD-AFC4-6F175D3DCCD1}">
-              <a14:hiddenFill xmlns:a14="http://schemas.microsoft.com/office/drawing/2010/main">
-                <a:solidFill>
-                  <a:srgbClr val="FFFFFF"/>
-                </a:solidFill>
-              </a14:hiddenFill>
-            </a:ext>
-          </a:extLst>
-        </p:spPr>
-      </p:pic>
-      <p:pic>
-        <p:nvPicPr>
-          <p:cNvPr id="9" name="Picture 8">
-            <a:extLst>
-              <a:ext uri="{FF2B5EF4-FFF2-40B4-BE49-F238E27FC236}">
-                <a16:creationId xmlns:a16="http://schemas.microsoft.com/office/drawing/2014/main" id="{939562D4-AB47-1547-8D57-BED845FD9C3D}"/>
-              </a:ext>
-            </a:extLst>
-          </p:cNvPr>
-          <p:cNvPicPr>
-            <a:picLocks noChangeAspect="1"/>
-          </p:cNvPicPr>
-          <p:nvPr/>
-        </p:nvPicPr>
-        <p:blipFill>
-          <a:blip r:embed="rId3"/>
-          <a:stretch>
-            <a:fillRect/>
-          </a:stretch>
-        </p:blipFill>
-        <p:spPr>
-          <a:xfrm>
-            <a:off x="9598440" y="1361201"/>
-            <a:ext cx="1625600" cy="2006600"/>
-          </a:xfrm>
-          <a:prstGeom prst="rect">
-            <a:avLst/>
-          </a:prstGeom>
-        </p:spPr>
-      </p:pic>
-      <p:pic>
-        <p:nvPicPr>
-          <p:cNvPr id="10" name="Picture 9">
-            <a:extLst>
-              <a:ext uri="{FF2B5EF4-FFF2-40B4-BE49-F238E27FC236}">
-                <a16:creationId xmlns:a16="http://schemas.microsoft.com/office/drawing/2014/main" id="{D433B40B-9F36-FD49-9748-B7B3667F77A5}"/>
-              </a:ext>
-            </a:extLst>
-          </p:cNvPr>
-          <p:cNvPicPr>
-            <a:picLocks noChangeAspect="1"/>
-          </p:cNvPicPr>
-          <p:nvPr/>
-        </p:nvPicPr>
-        <p:blipFill>
-          <a:blip r:embed="rId4"/>
-          <a:stretch>
-            <a:fillRect/>
-          </a:stretch>
-        </p:blipFill>
-        <p:spPr>
-          <a:xfrm>
-            <a:off x="4363016" y="1349478"/>
-            <a:ext cx="5057865" cy="4709047"/>
-          </a:xfrm>
-          <a:prstGeom prst="rect">
-            <a:avLst/>
-          </a:prstGeom>
-        </p:spPr>
-      </p:pic>
-      <p:sp>
-        <p:nvSpPr>
-          <p:cNvPr id="12" name="Rectangle 11">
-            <a:extLst>
-              <a:ext uri="{FF2B5EF4-FFF2-40B4-BE49-F238E27FC236}">
-                <a16:creationId xmlns:a16="http://schemas.microsoft.com/office/drawing/2014/main" id="{64BB57BE-9C6E-F24F-AE14-429457058F72}"/>
-              </a:ext>
-            </a:extLst>
-          </p:cNvPr>
-          <p:cNvSpPr/>
-          <p:nvPr/>
-        </p:nvSpPr>
-        <p:spPr>
-          <a:xfrm>
-            <a:off x="5181600" y="2243042"/>
-            <a:ext cx="3153508" cy="687727"/>
-          </a:xfrm>
-          <a:prstGeom prst="rect">
-            <a:avLst/>
-          </a:prstGeom>
-          <a:noFill/>
-        </p:spPr>
-        <p:style>
-          <a:lnRef idx="2">
-            <a:schemeClr val="accent1">
-              <a:shade val="50000"/>
-            </a:schemeClr>
-          </a:lnRef>
-          <a:fillRef idx="1">
-            <a:schemeClr val="accent1"/>
-          </a:fillRef>
-          <a:effectRef idx="0">
-            <a:schemeClr val="accent1"/>
-          </a:effectRef>
-          <a:fontRef idx="minor">
-            <a:schemeClr val="lt1"/>
-          </a:fontRef>
-        </p:style>
-        <p:txBody>
-          <a:bodyPr rtlCol="0" anchor="ctr"/>
+        </p:spPr>
+        <p:txBody>
+          <a:bodyPr wrap="square" rtlCol="0">
+            <a:spAutoFit/>
+          </a:bodyPr>
           <a:lstStyle/>
           <a:p>
-            <a:pPr algn="ctr"/>
+            <a:r>
+              <a:rPr lang="en-US" dirty="0">
+                <a:hlinkClick r:id="rId2"/>
+              </a:rPr>
+              <a:t>http://varianceexplained.org/r/ds-ml-ai/</a:t>
+            </a:r>
             <a:endParaRPr lang="en-US" dirty="0"/>
           </a:p>
-        </p:txBody>
-      </p:sp>
-      <p:sp>
-        <p:nvSpPr>
-          <p:cNvPr id="13" name="Rectangle 12">
-            <a:extLst>
-              <a:ext uri="{FF2B5EF4-FFF2-40B4-BE49-F238E27FC236}">
-                <a16:creationId xmlns:a16="http://schemas.microsoft.com/office/drawing/2014/main" id="{E7DAE80C-70F2-E946-B2A4-A7449098F14B}"/>
-              </a:ext>
-            </a:extLst>
-          </p:cNvPr>
-          <p:cNvSpPr/>
-          <p:nvPr/>
-        </p:nvSpPr>
-        <p:spPr>
-          <a:xfrm>
-            <a:off x="5181600" y="2989384"/>
-            <a:ext cx="3153508" cy="605665"/>
-          </a:xfrm>
-          <a:prstGeom prst="rect">
-            <a:avLst/>
-          </a:prstGeom>
-          <a:noFill/>
-        </p:spPr>
-        <p:style>
-          <a:lnRef idx="2">
-            <a:schemeClr val="accent1">
-              <a:shade val="50000"/>
-            </a:schemeClr>
-          </a:lnRef>
-          <a:fillRef idx="1">
-            <a:schemeClr val="accent1"/>
-          </a:fillRef>
-          <a:effectRef idx="0">
-            <a:schemeClr val="accent1"/>
-          </a:effectRef>
-          <a:fontRef idx="minor">
-            <a:schemeClr val="lt1"/>
-          </a:fontRef>
-        </p:style>
-        <p:txBody>
-          <a:bodyPr rtlCol="0" anchor="ctr"/>
-          <a:lstStyle/>
-          <a:p>
-            <a:pPr algn="ctr"/>
+          <a:p>
+            <a:r>
+              <a:rPr lang="en-US" dirty="0"/>
+              <a:t>David Robinson, Chief Data Scientist, </a:t>
+            </a:r>
+            <a:r>
+              <a:rPr lang="en-US" dirty="0" err="1"/>
+              <a:t>Datacamp</a:t>
+            </a:r>
             <a:endParaRPr lang="en-US" dirty="0"/>
           </a:p>
         </p:txBody>
       </p:sp>
-      <p:sp>
-        <p:nvSpPr>
-          <p:cNvPr id="14" name="Rectangle 13">
-            <a:extLst>
-              <a:ext uri="{FF2B5EF4-FFF2-40B4-BE49-F238E27FC236}">
-                <a16:creationId xmlns:a16="http://schemas.microsoft.com/office/drawing/2014/main" id="{EB4CFEDA-B1C6-384D-96AA-69DB3F8692A2}"/>
-              </a:ext>
-            </a:extLst>
-          </p:cNvPr>
-          <p:cNvSpPr/>
-          <p:nvPr/>
-        </p:nvSpPr>
-        <p:spPr>
-          <a:xfrm>
-            <a:off x="5181600" y="4771292"/>
-            <a:ext cx="3153508" cy="605665"/>
-          </a:xfrm>
-          <a:prstGeom prst="rect">
-            <a:avLst/>
-          </a:prstGeom>
-          <a:noFill/>
-        </p:spPr>
-        <p:style>
-          <a:lnRef idx="2">
-            <a:schemeClr val="accent1">
-              <a:shade val="50000"/>
-            </a:schemeClr>
-          </a:lnRef>
-          <a:fillRef idx="1">
-            <a:schemeClr val="accent1"/>
-          </a:fillRef>
-          <a:effectRef idx="0">
-            <a:schemeClr val="accent1"/>
-          </a:effectRef>
-          <a:fontRef idx="minor">
-            <a:schemeClr val="lt1"/>
-          </a:fontRef>
-        </p:style>
-        <p:txBody>
-          <a:bodyPr rtlCol="0" anchor="ctr"/>
-          <a:lstStyle/>
-          <a:p>
-            <a:pPr algn="ctr"/>
-            <a:endParaRPr lang="en-US" dirty="0"/>
-          </a:p>
-        </p:txBody>
-      </p:sp>
-      <p:sp>
-        <p:nvSpPr>
-          <p:cNvPr id="15" name="Rectangle 14">
-            <a:extLst>
-              <a:ext uri="{FF2B5EF4-FFF2-40B4-BE49-F238E27FC236}">
-                <a16:creationId xmlns:a16="http://schemas.microsoft.com/office/drawing/2014/main" id="{3F425FD2-7AB1-654A-B149-6CEEB9D59742}"/>
-              </a:ext>
-            </a:extLst>
-          </p:cNvPr>
-          <p:cNvSpPr/>
-          <p:nvPr/>
-        </p:nvSpPr>
-        <p:spPr>
-          <a:xfrm>
-            <a:off x="5181600" y="5414908"/>
-            <a:ext cx="3153508" cy="605665"/>
-          </a:xfrm>
-          <a:prstGeom prst="rect">
-            <a:avLst/>
-          </a:prstGeom>
-          <a:noFill/>
-        </p:spPr>
-        <p:style>
-          <a:lnRef idx="2">
-            <a:schemeClr val="accent1">
-              <a:shade val="50000"/>
-            </a:schemeClr>
-          </a:lnRef>
-          <a:fillRef idx="1">
-            <a:schemeClr val="accent1"/>
-          </a:fillRef>
-          <a:effectRef idx="0">
-            <a:schemeClr val="accent1"/>
-          </a:effectRef>
-          <a:fontRef idx="minor">
-            <a:schemeClr val="lt1"/>
-          </a:fontRef>
-        </p:style>
-        <p:txBody>
-          <a:bodyPr rtlCol="0" anchor="ctr"/>
-          <a:lstStyle/>
-          <a:p>
-            <a:pPr algn="ctr"/>
-            <a:endParaRPr lang="en-US" dirty="0"/>
-          </a:p>
-        </p:txBody>
-      </p:sp>
-      <p:pic>
-        <p:nvPicPr>
-          <p:cNvPr id="16" name="Picture 15">
-            <a:extLst>
-              <a:ext uri="{FF2B5EF4-FFF2-40B4-BE49-F238E27FC236}">
-                <a16:creationId xmlns:a16="http://schemas.microsoft.com/office/drawing/2014/main" id="{76793D56-FC70-CF46-B2B7-81C07C968B2B}"/>
-              </a:ext>
-            </a:extLst>
-          </p:cNvPr>
-          <p:cNvPicPr>
-            <a:picLocks noChangeAspect="1"/>
-          </p:cNvPicPr>
-          <p:nvPr/>
-        </p:nvPicPr>
-        <p:blipFill>
-          <a:blip r:embed="rId5"/>
-          <a:stretch>
-            <a:fillRect/>
-          </a:stretch>
-        </p:blipFill>
-        <p:spPr>
-          <a:xfrm>
-            <a:off x="9598440" y="3490200"/>
-            <a:ext cx="2337365" cy="1053631"/>
-          </a:xfrm>
-          <a:prstGeom prst="rect">
-            <a:avLst/>
-          </a:prstGeom>
-        </p:spPr>
-      </p:pic>
     </p:spTree>
     <p:extLst>
       <p:ext uri="{BB962C8B-B14F-4D97-AF65-F5344CB8AC3E}">
-        <p14:creationId xmlns:p14="http://schemas.microsoft.com/office/powerpoint/2010/main" val="932941857"/>
+        <p14:creationId xmlns:p14="http://schemas.microsoft.com/office/powerpoint/2010/main" val="1740593403"/>
       </p:ext>
     </p:extLst>
   </p:cSld>
@@ -7435,134 +6894,52 @@
           <a:lstStyle/>
           <a:p>
             <a:r>
+              <a:rPr lang="en-US" dirty="0" err="1"/>
+              <a:t>KindA</a:t>
+            </a:r>
+            <a:r>
               <a:rPr lang="en-US" dirty="0"/>
-              <a:t>OVERSIMPLIFIED-DEFINITION</a:t>
-            </a:r>
-          </a:p>
-        </p:txBody>
-      </p:sp>
-      <p:sp>
-        <p:nvSpPr>
-          <p:cNvPr id="3" name="Content Placeholder 2">
+              <a:t>-DEFINITION</a:t>
+            </a:r>
+          </a:p>
+        </p:txBody>
+      </p:sp>
+      <p:pic>
+        <p:nvPicPr>
+          <p:cNvPr id="7" name="Content Placeholder 6">
             <a:extLst>
               <a:ext uri="{FF2B5EF4-FFF2-40B4-BE49-F238E27FC236}">
-                <a16:creationId xmlns:a16="http://schemas.microsoft.com/office/drawing/2014/main" id="{8BC366B1-71F6-5B48-A15A-98D93DA64F8D}"/>
+                <a16:creationId xmlns:a16="http://schemas.microsoft.com/office/drawing/2014/main" id="{AFAEAF23-BDBF-3C4F-8273-31D9A0F6C63B}"/>
               </a:ext>
             </a:extLst>
           </p:cNvPr>
-          <p:cNvSpPr>
-            <a:spLocks noGrp="1"/>
-          </p:cNvSpPr>
+          <p:cNvPicPr>
+            <a:picLocks noGrp="1" noChangeAspect="1"/>
+          </p:cNvPicPr>
           <p:nvPr>
             <p:ph idx="1"/>
           </p:nvPr>
-        </p:nvSpPr>
-        <p:spPr/>
-        <p:txBody>
-          <a:bodyPr>
-            <a:normAutofit/>
-          </a:bodyPr>
-          <a:lstStyle/>
-          <a:p>
-            <a:r>
-              <a:rPr lang="en-IN" sz="2800" b="1" dirty="0"/>
-              <a:t>Data science</a:t>
-            </a:r>
-            <a:r>
-              <a:rPr lang="en-IN" sz="2800" dirty="0"/>
-              <a:t> produces </a:t>
-            </a:r>
-            <a:r>
-              <a:rPr lang="en-IN" sz="2800" b="1" dirty="0"/>
-              <a:t>insights</a:t>
-            </a:r>
-            <a:endParaRPr lang="en-IN" sz="2800" dirty="0"/>
-          </a:p>
-          <a:p>
-            <a:r>
-              <a:rPr lang="en-IN" sz="2800" b="1" dirty="0"/>
-              <a:t>Machine learning</a:t>
-            </a:r>
-            <a:r>
-              <a:rPr lang="en-IN" sz="2800" dirty="0"/>
-              <a:t> produces </a:t>
-            </a:r>
-            <a:r>
-              <a:rPr lang="en-IN" sz="2800" b="1" dirty="0"/>
-              <a:t>predictions</a:t>
-            </a:r>
-            <a:endParaRPr lang="en-IN" sz="2800" dirty="0"/>
-          </a:p>
-          <a:p>
-            <a:r>
-              <a:rPr lang="en-IN" sz="2800" b="1" dirty="0"/>
-              <a:t>Artificial intelligence</a:t>
-            </a:r>
-            <a:r>
-              <a:rPr lang="en-IN" sz="2800" dirty="0"/>
-              <a:t> produces </a:t>
-            </a:r>
-            <a:r>
-              <a:rPr lang="en-IN" sz="2800" b="1" dirty="0"/>
-              <a:t>actions</a:t>
-            </a:r>
-            <a:endParaRPr lang="en-IN" sz="2800" dirty="0"/>
-          </a:p>
-        </p:txBody>
-      </p:sp>
-      <p:sp>
-        <p:nvSpPr>
-          <p:cNvPr id="4" name="TextBox 3">
-            <a:extLst>
-              <a:ext uri="{FF2B5EF4-FFF2-40B4-BE49-F238E27FC236}">
-                <a16:creationId xmlns:a16="http://schemas.microsoft.com/office/drawing/2014/main" id="{E9BB73CC-DB7A-D94D-9B19-D0F52857C2D3}"/>
-              </a:ext>
-            </a:extLst>
-          </p:cNvPr>
-          <p:cNvSpPr txBox="1"/>
-          <p:nvPr/>
-        </p:nvSpPr>
+        </p:nvPicPr>
+        <p:blipFill>
+          <a:blip r:embed="rId2"/>
+          <a:stretch>
+            <a:fillRect/>
+          </a:stretch>
+        </p:blipFill>
         <p:spPr>
           <a:xfrm>
-            <a:off x="7574062" y="6211669"/>
-            <a:ext cx="6728120" cy="646331"/>
+            <a:off x="1462569" y="1547744"/>
+            <a:ext cx="6395863" cy="4055387"/>
           </a:xfrm>
           <a:prstGeom prst="rect">
             <a:avLst/>
           </a:prstGeom>
-          <a:noFill/>
-        </p:spPr>
-        <p:txBody>
-          <a:bodyPr wrap="square" rtlCol="0">
-            <a:spAutoFit/>
-          </a:bodyPr>
-          <a:lstStyle/>
-          <a:p>
-            <a:r>
-              <a:rPr lang="en-US" dirty="0">
-                <a:hlinkClick r:id="rId2"/>
-              </a:rPr>
-              <a:t>http://varianceexplained.org/r/ds-ml-ai/</a:t>
-            </a:r>
-            <a:endParaRPr lang="en-US" dirty="0"/>
-          </a:p>
-          <a:p>
-            <a:r>
-              <a:rPr lang="en-US" dirty="0"/>
-              <a:t>David Robinson, Chief Data Scientist, </a:t>
-            </a:r>
-            <a:r>
-              <a:rPr lang="en-US" dirty="0" err="1"/>
-              <a:t>Datacamp</a:t>
-            </a:r>
-            <a:endParaRPr lang="en-US" dirty="0"/>
-          </a:p>
-        </p:txBody>
-      </p:sp>
+        </p:spPr>
+      </p:pic>
     </p:spTree>
     <p:extLst>
       <p:ext uri="{BB962C8B-B14F-4D97-AF65-F5344CB8AC3E}">
-        <p14:creationId xmlns:p14="http://schemas.microsoft.com/office/powerpoint/2010/main" val="1740593403"/>
+        <p14:creationId xmlns:p14="http://schemas.microsoft.com/office/powerpoint/2010/main" val="3880560329"/>
       </p:ext>
     </p:extLst>
   </p:cSld>
@@ -7611,52 +6988,87 @@
           <a:lstStyle/>
           <a:p>
             <a:r>
-              <a:rPr lang="en-US" dirty="0" err="1"/>
-              <a:t>KindA</a:t>
-            </a:r>
-            <a:r>
               <a:rPr lang="en-US" dirty="0"/>
-              <a:t>-DEFINITION</a:t>
-            </a:r>
-          </a:p>
-        </p:txBody>
-      </p:sp>
-      <p:pic>
-        <p:nvPicPr>
-          <p:cNvPr id="7" name="Content Placeholder 6">
+              <a:t>TOOLCHAIN</a:t>
+            </a:r>
+          </a:p>
+        </p:txBody>
+      </p:sp>
+      <p:sp>
+        <p:nvSpPr>
+          <p:cNvPr id="3" name="Content Placeholder 2">
             <a:extLst>
               <a:ext uri="{FF2B5EF4-FFF2-40B4-BE49-F238E27FC236}">
-                <a16:creationId xmlns:a16="http://schemas.microsoft.com/office/drawing/2014/main" id="{AFAEAF23-BDBF-3C4F-8273-31D9A0F6C63B}"/>
+                <a16:creationId xmlns:a16="http://schemas.microsoft.com/office/drawing/2014/main" id="{8BC366B1-71F6-5B48-A15A-98D93DA64F8D}"/>
               </a:ext>
             </a:extLst>
           </p:cNvPr>
-          <p:cNvPicPr>
-            <a:picLocks noGrp="1" noChangeAspect="1"/>
-          </p:cNvPicPr>
+          <p:cNvSpPr>
+            <a:spLocks noGrp="1"/>
+          </p:cNvSpPr>
           <p:nvPr>
             <p:ph idx="1"/>
           </p:nvPr>
-        </p:nvPicPr>
-        <p:blipFill>
-          <a:blip r:embed="rId2"/>
-          <a:stretch>
-            <a:fillRect/>
-          </a:stretch>
-        </p:blipFill>
+        </p:nvSpPr>
         <p:spPr>
           <a:xfrm>
-            <a:off x="1462569" y="1547744"/>
-            <a:ext cx="6395863" cy="4055387"/>
-          </a:xfrm>
-          <a:prstGeom prst="rect">
-            <a:avLst/>
-          </a:prstGeom>
-        </p:spPr>
-      </p:pic>
+            <a:off x="1462568" y="1372924"/>
+            <a:ext cx="9603275" cy="3450613"/>
+          </a:xfrm>
+        </p:spPr>
+        <p:txBody>
+          <a:bodyPr>
+            <a:normAutofit fontScale="92500" lnSpcReduction="20000"/>
+          </a:bodyPr>
+          <a:lstStyle/>
+          <a:p>
+            <a:r>
+              <a:rPr lang="en-US" sz="3200" dirty="0"/>
+              <a:t>Programming Languages</a:t>
+            </a:r>
+          </a:p>
+          <a:p>
+            <a:r>
+              <a:rPr lang="en-US" sz="3200" dirty="0"/>
+              <a:t>Self-serve Tools / Platforms</a:t>
+            </a:r>
+          </a:p>
+          <a:p>
+            <a:pPr lvl="1"/>
+            <a:r>
+              <a:rPr lang="en-US" sz="3000" i="1" dirty="0"/>
+              <a:t>Analytics Tools</a:t>
+            </a:r>
+          </a:p>
+          <a:p>
+            <a:pPr lvl="1"/>
+            <a:r>
+              <a:rPr lang="en-US" sz="3000" i="1" dirty="0"/>
+              <a:t>Auto ML / Studio Tools</a:t>
+            </a:r>
+          </a:p>
+          <a:p>
+            <a:pPr lvl="1"/>
+            <a:r>
+              <a:rPr lang="en-US" sz="3000" i="1" dirty="0"/>
+              <a:t>Data Visualization Tools</a:t>
+            </a:r>
+          </a:p>
+          <a:p>
+            <a:r>
+              <a:rPr lang="en-US" sz="3200" dirty="0"/>
+              <a:t>Deep Learning Frameworks</a:t>
+            </a:r>
+          </a:p>
+          <a:p>
+            <a:endParaRPr lang="en-US" sz="3200" dirty="0"/>
+          </a:p>
+        </p:txBody>
+      </p:sp>
     </p:spTree>
     <p:extLst>
       <p:ext uri="{BB962C8B-B14F-4D97-AF65-F5344CB8AC3E}">
-        <p14:creationId xmlns:p14="http://schemas.microsoft.com/office/powerpoint/2010/main" val="3880560329"/>
+        <p14:creationId xmlns:p14="http://schemas.microsoft.com/office/powerpoint/2010/main" val="507862621"/>
       </p:ext>
     </p:extLst>
   </p:cSld>
@@ -7706,86 +7118,297 @@
           <a:p>
             <a:r>
               <a:rPr lang="en-US" dirty="0"/>
-              <a:t>TOOLCHAIN</a:t>
-            </a:r>
-          </a:p>
-        </p:txBody>
-      </p:sp>
-      <p:sp>
-        <p:nvSpPr>
-          <p:cNvPr id="3" name="Content Placeholder 2">
+              <a:t>Programming languages</a:t>
+            </a:r>
+          </a:p>
+        </p:txBody>
+      </p:sp>
+      <p:pic>
+        <p:nvPicPr>
+          <p:cNvPr id="3076" name="Picture 4" descr="R (programming language) - Wikipedia">
             <a:extLst>
               <a:ext uri="{FF2B5EF4-FFF2-40B4-BE49-F238E27FC236}">
-                <a16:creationId xmlns:a16="http://schemas.microsoft.com/office/drawing/2014/main" id="{8BC366B1-71F6-5B48-A15A-98D93DA64F8D}"/>
+                <a16:creationId xmlns:a16="http://schemas.microsoft.com/office/drawing/2014/main" id="{049CC43B-C367-E146-A3CD-049382B375FF}"/>
               </a:ext>
             </a:extLst>
           </p:cNvPr>
-          <p:cNvSpPr>
-            <a:spLocks noGrp="1"/>
-          </p:cNvSpPr>
-          <p:nvPr>
-            <p:ph idx="1"/>
-          </p:nvPr>
-        </p:nvSpPr>
-        <p:spPr>
-          <a:xfrm>
-            <a:off x="1462568" y="1372924"/>
-            <a:ext cx="9603275" cy="3450613"/>
-          </a:xfrm>
-        </p:spPr>
-        <p:txBody>
-          <a:bodyPr>
-            <a:normAutofit fontScale="92500" lnSpcReduction="20000"/>
-          </a:bodyPr>
-          <a:lstStyle/>
-          <a:p>
-            <a:r>
-              <a:rPr lang="en-US" sz="3200" dirty="0"/>
-              <a:t>Programming Languages</a:t>
-            </a:r>
-          </a:p>
-          <a:p>
-            <a:r>
-              <a:rPr lang="en-US" sz="3200" dirty="0"/>
-              <a:t>Self-serve Tools / Platforms</a:t>
-            </a:r>
-          </a:p>
-          <a:p>
-            <a:pPr lvl="1"/>
-            <a:r>
-              <a:rPr lang="en-US" sz="3000" i="1" dirty="0"/>
-              <a:t>Analytics Tools</a:t>
-            </a:r>
-          </a:p>
-          <a:p>
-            <a:pPr lvl="1"/>
-            <a:r>
-              <a:rPr lang="en-US" sz="3000" i="1" dirty="0"/>
-              <a:t>Auto ML / Studio Tools</a:t>
-            </a:r>
-          </a:p>
-          <a:p>
-            <a:pPr lvl="1"/>
-            <a:r>
-              <a:rPr lang="en-US" sz="3000" i="1" dirty="0"/>
-              <a:t>Data Visualization Tools</a:t>
-            </a:r>
-          </a:p>
-          <a:p>
-            <a:r>
-              <a:rPr lang="en-US" sz="3200" dirty="0"/>
-              <a:t>Deep Learning Frameworks</a:t>
-            </a:r>
-          </a:p>
-          <a:p>
-            <a:endParaRPr lang="en-US" sz="3200" dirty="0"/>
-          </a:p>
-        </p:txBody>
-      </p:sp>
+          <p:cNvPicPr>
+            <a:picLocks noChangeAspect="1" noChangeArrowheads="1"/>
+          </p:cNvPicPr>
+          <p:nvPr/>
+        </p:nvPicPr>
+        <p:blipFill>
+          <a:blip r:embed="rId2">
+            <a:extLst>
+              <a:ext uri="{28A0092B-C50C-407E-A947-70E740481C1C}">
+                <a14:useLocalDpi xmlns:a14="http://schemas.microsoft.com/office/drawing/2010/main" val="0"/>
+              </a:ext>
+            </a:extLst>
+          </a:blip>
+          <a:srcRect/>
+          <a:stretch>
+            <a:fillRect/>
+          </a:stretch>
+        </p:blipFill>
+        <p:spPr bwMode="auto">
+          <a:xfrm>
+            <a:off x="1126156" y="1524000"/>
+            <a:ext cx="2919323" cy="2262554"/>
+          </a:xfrm>
+          <a:prstGeom prst="rect">
+            <a:avLst/>
+          </a:prstGeom>
+          <a:noFill/>
+          <a:extLst>
+            <a:ext uri="{909E8E84-426E-40DD-AFC4-6F175D3DCCD1}">
+              <a14:hiddenFill xmlns:a14="http://schemas.microsoft.com/office/drawing/2010/main">
+                <a:solidFill>
+                  <a:srgbClr val="FFFFFF"/>
+                </a:solidFill>
+              </a14:hiddenFill>
+            </a:ext>
+          </a:extLst>
+        </p:spPr>
+      </p:pic>
+      <p:pic>
+        <p:nvPicPr>
+          <p:cNvPr id="3078" name="Picture 6" descr="https://proxy.duckduckgo.com/iu/?u=https%3A%2F%2Ftse3.mm.bing.net%2Fth%3Fid%3DOIP.8XTuTq9eKVzzfdDW5nypnwHaHa%26pid%3D15.1&amp;f=1">
+            <a:extLst>
+              <a:ext uri="{FF2B5EF4-FFF2-40B4-BE49-F238E27FC236}">
+                <a16:creationId xmlns:a16="http://schemas.microsoft.com/office/drawing/2014/main" id="{E70FC7C8-79FC-7D4D-8A5D-95A3FA98BA12}"/>
+              </a:ext>
+            </a:extLst>
+          </p:cNvPr>
+          <p:cNvPicPr>
+            <a:picLocks noChangeAspect="1" noChangeArrowheads="1"/>
+          </p:cNvPicPr>
+          <p:nvPr/>
+        </p:nvPicPr>
+        <p:blipFill>
+          <a:blip r:embed="rId3">
+            <a:extLst>
+              <a:ext uri="{28A0092B-C50C-407E-A947-70E740481C1C}">
+                <a14:useLocalDpi xmlns:a14="http://schemas.microsoft.com/office/drawing/2010/main" val="0"/>
+              </a:ext>
+            </a:extLst>
+          </a:blip>
+          <a:srcRect/>
+          <a:stretch>
+            <a:fillRect/>
+          </a:stretch>
+        </p:blipFill>
+        <p:spPr bwMode="auto">
+          <a:xfrm>
+            <a:off x="4766057" y="1384647"/>
+            <a:ext cx="2401907" cy="2401907"/>
+          </a:xfrm>
+          <a:prstGeom prst="rect">
+            <a:avLst/>
+          </a:prstGeom>
+          <a:noFill/>
+          <a:extLst>
+            <a:ext uri="{909E8E84-426E-40DD-AFC4-6F175D3DCCD1}">
+              <a14:hiddenFill xmlns:a14="http://schemas.microsoft.com/office/drawing/2010/main">
+                <a:solidFill>
+                  <a:srgbClr val="FFFFFF"/>
+                </a:solidFill>
+              </a14:hiddenFill>
+            </a:ext>
+          </a:extLst>
+        </p:spPr>
+      </p:pic>
+      <p:pic>
+        <p:nvPicPr>
+          <p:cNvPr id="3080" name="Picture 8" descr="Julia (programming language) - Wikipedia">
+            <a:extLst>
+              <a:ext uri="{FF2B5EF4-FFF2-40B4-BE49-F238E27FC236}">
+                <a16:creationId xmlns:a16="http://schemas.microsoft.com/office/drawing/2014/main" id="{A2B2293D-D5D3-8C4B-A12A-507E4E6CACB0}"/>
+              </a:ext>
+            </a:extLst>
+          </p:cNvPr>
+          <p:cNvPicPr>
+            <a:picLocks noChangeAspect="1" noChangeArrowheads="1"/>
+          </p:cNvPicPr>
+          <p:nvPr/>
+        </p:nvPicPr>
+        <p:blipFill>
+          <a:blip r:embed="rId4">
+            <a:extLst>
+              <a:ext uri="{28A0092B-C50C-407E-A947-70E740481C1C}">
+                <a14:useLocalDpi xmlns:a14="http://schemas.microsoft.com/office/drawing/2010/main" val="0"/>
+              </a:ext>
+            </a:extLst>
+          </a:blip>
+          <a:srcRect/>
+          <a:stretch>
+            <a:fillRect/>
+          </a:stretch>
+        </p:blipFill>
+        <p:spPr bwMode="auto">
+          <a:xfrm>
+            <a:off x="7572113" y="1275173"/>
+            <a:ext cx="3877896" cy="2620856"/>
+          </a:xfrm>
+          <a:prstGeom prst="rect">
+            <a:avLst/>
+          </a:prstGeom>
+          <a:noFill/>
+          <a:extLst>
+            <a:ext uri="{909E8E84-426E-40DD-AFC4-6F175D3DCCD1}">
+              <a14:hiddenFill xmlns:a14="http://schemas.microsoft.com/office/drawing/2010/main">
+                <a:solidFill>
+                  <a:srgbClr val="FFFFFF"/>
+                </a:solidFill>
+              </a14:hiddenFill>
+            </a:ext>
+          </a:extLst>
+        </p:spPr>
+      </p:pic>
+      <p:pic>
+        <p:nvPicPr>
+          <p:cNvPr id="3082" name="Picture 10" descr="Image result for scala logo">
+            <a:extLst>
+              <a:ext uri="{FF2B5EF4-FFF2-40B4-BE49-F238E27FC236}">
+                <a16:creationId xmlns:a16="http://schemas.microsoft.com/office/drawing/2014/main" id="{64B0C876-779E-5E47-A58C-E47AC836CA89}"/>
+              </a:ext>
+            </a:extLst>
+          </p:cNvPr>
+          <p:cNvPicPr>
+            <a:picLocks noChangeAspect="1" noChangeArrowheads="1"/>
+          </p:cNvPicPr>
+          <p:nvPr/>
+        </p:nvPicPr>
+        <p:blipFill>
+          <a:blip r:embed="rId5">
+            <a:extLst>
+              <a:ext uri="{28A0092B-C50C-407E-A947-70E740481C1C}">
+                <a14:useLocalDpi xmlns:a14="http://schemas.microsoft.com/office/drawing/2010/main" val="0"/>
+              </a:ext>
+            </a:extLst>
+          </a:blip>
+          <a:srcRect/>
+          <a:stretch>
+            <a:fillRect/>
+          </a:stretch>
+        </p:blipFill>
+        <p:spPr bwMode="auto">
+          <a:xfrm>
+            <a:off x="1915634" y="4909561"/>
+            <a:ext cx="2693064" cy="1346532"/>
+          </a:xfrm>
+          <a:prstGeom prst="rect">
+            <a:avLst/>
+          </a:prstGeom>
+          <a:noFill/>
+          <a:extLst>
+            <a:ext uri="{909E8E84-426E-40DD-AFC4-6F175D3DCCD1}">
+              <a14:hiddenFill xmlns:a14="http://schemas.microsoft.com/office/drawing/2010/main">
+                <a:solidFill>
+                  <a:srgbClr val="FFFFFF"/>
+                </a:solidFill>
+              </a14:hiddenFill>
+            </a:ext>
+          </a:extLst>
+        </p:spPr>
+      </p:pic>
+      <p:pic>
+        <p:nvPicPr>
+          <p:cNvPr id="3084" name="Picture 12" descr="Image result for swift logo">
+            <a:extLst>
+              <a:ext uri="{FF2B5EF4-FFF2-40B4-BE49-F238E27FC236}">
+                <a16:creationId xmlns:a16="http://schemas.microsoft.com/office/drawing/2014/main" id="{2D6915BE-087D-4748-8D1D-1B8482F92AE8}"/>
+              </a:ext>
+            </a:extLst>
+          </p:cNvPr>
+          <p:cNvPicPr>
+            <a:picLocks noChangeAspect="1" noChangeArrowheads="1"/>
+          </p:cNvPicPr>
+          <p:nvPr/>
+        </p:nvPicPr>
+        <p:blipFill>
+          <a:blip r:embed="rId6">
+            <a:extLst>
+              <a:ext uri="{28A0092B-C50C-407E-A947-70E740481C1C}">
+                <a14:useLocalDpi xmlns:a14="http://schemas.microsoft.com/office/drawing/2010/main" val="0"/>
+              </a:ext>
+            </a:extLst>
+          </a:blip>
+          <a:srcRect/>
+          <a:stretch>
+            <a:fillRect/>
+          </a:stretch>
+        </p:blipFill>
+        <p:spPr bwMode="auto">
+          <a:xfrm>
+            <a:off x="5128773" y="5125954"/>
+            <a:ext cx="2923986" cy="913746"/>
+          </a:xfrm>
+          <a:prstGeom prst="rect">
+            <a:avLst/>
+          </a:prstGeom>
+          <a:noFill/>
+          <a:extLst>
+            <a:ext uri="{909E8E84-426E-40DD-AFC4-6F175D3DCCD1}">
+              <a14:hiddenFill xmlns:a14="http://schemas.microsoft.com/office/drawing/2010/main">
+                <a:solidFill>
+                  <a:srgbClr val="FFFFFF"/>
+                </a:solidFill>
+              </a14:hiddenFill>
+            </a:ext>
+          </a:extLst>
+        </p:spPr>
+      </p:pic>
+      <p:pic>
+        <p:nvPicPr>
+          <p:cNvPr id="3086" name="Picture 14" descr="Image result for javascript logo">
+            <a:extLst>
+              <a:ext uri="{FF2B5EF4-FFF2-40B4-BE49-F238E27FC236}">
+                <a16:creationId xmlns:a16="http://schemas.microsoft.com/office/drawing/2014/main" id="{85A27CD7-10FD-8241-92C9-B23398CEF629}"/>
+              </a:ext>
+            </a:extLst>
+          </p:cNvPr>
+          <p:cNvPicPr>
+            <a:picLocks noChangeAspect="1" noChangeArrowheads="1"/>
+          </p:cNvPicPr>
+          <p:nvPr/>
+        </p:nvPicPr>
+        <p:blipFill>
+          <a:blip r:embed="rId7">
+            <a:extLst>
+              <a:ext uri="{28A0092B-C50C-407E-A947-70E740481C1C}">
+                <a14:useLocalDpi xmlns:a14="http://schemas.microsoft.com/office/drawing/2010/main" val="0"/>
+              </a:ext>
+            </a:extLst>
+          </a:blip>
+          <a:srcRect/>
+          <a:stretch>
+            <a:fillRect/>
+          </a:stretch>
+        </p:blipFill>
+        <p:spPr bwMode="auto">
+          <a:xfrm>
+            <a:off x="8544596" y="4626585"/>
+            <a:ext cx="1629508" cy="1629508"/>
+          </a:xfrm>
+          <a:prstGeom prst="rect">
+            <a:avLst/>
+          </a:prstGeom>
+          <a:noFill/>
+          <a:extLst>
+            <a:ext uri="{909E8E84-426E-40DD-AFC4-6F175D3DCCD1}">
+              <a14:hiddenFill xmlns:a14="http://schemas.microsoft.com/office/drawing/2010/main">
+                <a:solidFill>
+                  <a:srgbClr val="FFFFFF"/>
+                </a:solidFill>
+              </a14:hiddenFill>
+            </a:ext>
+          </a:extLst>
+        </p:spPr>
+      </p:pic>
     </p:spTree>
     <p:extLst>
       <p:ext uri="{BB962C8B-B14F-4D97-AF65-F5344CB8AC3E}">
-        <p14:creationId xmlns:p14="http://schemas.microsoft.com/office/powerpoint/2010/main" val="507862621"/>
+        <p14:creationId xmlns:p14="http://schemas.microsoft.com/office/powerpoint/2010/main" val="967511807"/>
       </p:ext>
     </p:extLst>
   </p:cSld>
@@ -7835,17 +7458,17 @@
           <a:p>
             <a:r>
               <a:rPr lang="en-US" dirty="0"/>
-              <a:t>Programming languages</a:t>
+              <a:t>Analytics - SELF-SERVE TOOLS / PLATFORMS</a:t>
             </a:r>
           </a:p>
         </p:txBody>
       </p:sp>
       <p:pic>
         <p:nvPicPr>
-          <p:cNvPr id="3076" name="Picture 4" descr="R (programming language) - Wikipedia">
+          <p:cNvPr id="4098" name="Picture 2" descr="https://proxy.duckduckgo.com/iu/?u=https%3A%2F%2Ftse3.mm.bing.net%2Fth%3Fid%3DOIP.2NGbXTK3aiz6S39643BlEgHaHa%26pid%3D15.1&amp;f=1">
             <a:extLst>
               <a:ext uri="{FF2B5EF4-FFF2-40B4-BE49-F238E27FC236}">
-                <a16:creationId xmlns:a16="http://schemas.microsoft.com/office/drawing/2014/main" id="{049CC43B-C367-E146-A3CD-049382B375FF}"/>
+                <a16:creationId xmlns:a16="http://schemas.microsoft.com/office/drawing/2014/main" id="{ECE35006-C5BD-0D4A-AB42-6A0A895D50F7}"/>
               </a:ext>
             </a:extLst>
           </p:cNvPr>
@@ -7854,7 +7477,7 @@
           </p:cNvPicPr>
           <p:nvPr/>
         </p:nvPicPr>
-        <p:blipFill>
+        <p:blipFill rotWithShape="1">
           <a:blip r:embed="rId2">
             <a:extLst>
               <a:ext uri="{28A0092B-C50C-407E-A947-70E740481C1C}">
@@ -7862,15 +7485,13 @@
               </a:ext>
             </a:extLst>
           </a:blip>
-          <a:srcRect/>
-          <a:stretch>
-            <a:fillRect/>
-          </a:stretch>
+          <a:srcRect t="28286" b="30623"/>
+          <a:stretch/>
         </p:blipFill>
         <p:spPr bwMode="auto">
           <a:xfrm>
-            <a:off x="1126156" y="1524000"/>
-            <a:ext cx="2919323" cy="2262554"/>
+            <a:off x="1462569" y="2069142"/>
+            <a:ext cx="2553473" cy="1049236"/>
           </a:xfrm>
           <a:prstGeom prst="rect">
             <a:avLst/>
@@ -7889,10 +7510,10 @@
       </p:pic>
       <p:pic>
         <p:nvPicPr>
-          <p:cNvPr id="3078" name="Picture 6" descr="https://proxy.duckduckgo.com/iu/?u=https%3A%2F%2Ftse3.mm.bing.net%2Fth%3Fid%3DOIP.8XTuTq9eKVzzfdDW5nypnwHaHa%26pid%3D15.1&amp;f=1">
+          <p:cNvPr id="4100" name="Picture 4" descr="File:SPSS logo.svg - Wikipedia">
             <a:extLst>
               <a:ext uri="{FF2B5EF4-FFF2-40B4-BE49-F238E27FC236}">
-                <a16:creationId xmlns:a16="http://schemas.microsoft.com/office/drawing/2014/main" id="{E70FC7C8-79FC-7D4D-8A5D-95A3FA98BA12}"/>
+                <a16:creationId xmlns:a16="http://schemas.microsoft.com/office/drawing/2014/main" id="{F8561817-1FD9-484E-A2AA-6E067899C366}"/>
               </a:ext>
             </a:extLst>
           </p:cNvPr>
@@ -7901,7 +7522,7 @@
           </p:cNvPicPr>
           <p:nvPr/>
         </p:nvPicPr>
-        <p:blipFill>
+        <p:blipFill rotWithShape="1">
           <a:blip r:embed="rId3">
             <a:extLst>
               <a:ext uri="{28A0092B-C50C-407E-A947-70E740481C1C}">
@@ -7909,15 +7530,13 @@
               </a:ext>
             </a:extLst>
           </a:blip>
-          <a:srcRect/>
-          <a:stretch>
-            <a:fillRect/>
-          </a:stretch>
+          <a:srcRect t="33662" b="31446"/>
+          <a:stretch/>
         </p:blipFill>
         <p:spPr bwMode="auto">
           <a:xfrm>
-            <a:off x="4766057" y="1384647"/>
-            <a:ext cx="2401907" cy="2401907"/>
+            <a:off x="4491891" y="2069142"/>
+            <a:ext cx="3007066" cy="1049235"/>
           </a:xfrm>
           <a:prstGeom prst="rect">
             <a:avLst/>
@@ -7936,10 +7555,10 @@
       </p:pic>
       <p:pic>
         <p:nvPicPr>
-          <p:cNvPr id="3080" name="Picture 8" descr="Julia (programming language) - Wikipedia">
+          <p:cNvPr id="4102" name="Picture 6" descr="Image result for alteryx logo">
             <a:extLst>
               <a:ext uri="{FF2B5EF4-FFF2-40B4-BE49-F238E27FC236}">
-                <a16:creationId xmlns:a16="http://schemas.microsoft.com/office/drawing/2014/main" id="{A2B2293D-D5D3-8C4B-A12A-507E4E6CACB0}"/>
+                <a16:creationId xmlns:a16="http://schemas.microsoft.com/office/drawing/2014/main" id="{AA82D4D1-00A6-5241-9B80-48B8A540944A}"/>
               </a:ext>
             </a:extLst>
           </p:cNvPr>
@@ -7948,7 +7567,7 @@
           </p:cNvPicPr>
           <p:nvPr/>
         </p:nvPicPr>
-        <p:blipFill>
+        <p:blipFill rotWithShape="1">
           <a:blip r:embed="rId4">
             <a:extLst>
               <a:ext uri="{28A0092B-C50C-407E-A947-70E740481C1C}">
@@ -7956,15 +7575,13 @@
               </a:ext>
             </a:extLst>
           </a:blip>
-          <a:srcRect/>
-          <a:stretch>
-            <a:fillRect/>
-          </a:stretch>
+          <a:srcRect t="24326" b="33307"/>
+          <a:stretch/>
         </p:blipFill>
         <p:spPr bwMode="auto">
           <a:xfrm>
-            <a:off x="7572113" y="1275173"/>
-            <a:ext cx="3877896" cy="2620856"/>
+            <a:off x="7974806" y="2069141"/>
+            <a:ext cx="2476500" cy="1049236"/>
           </a:xfrm>
           <a:prstGeom prst="rect">
             <a:avLst/>
@@ -7981,151 +7598,10 @@
           </a:extLst>
         </p:spPr>
       </p:pic>
-      <p:pic>
-        <p:nvPicPr>
-          <p:cNvPr id="3082" name="Picture 10" descr="Image result for scala logo">
-            <a:extLst>
-              <a:ext uri="{FF2B5EF4-FFF2-40B4-BE49-F238E27FC236}">
-                <a16:creationId xmlns:a16="http://schemas.microsoft.com/office/drawing/2014/main" id="{64B0C876-779E-5E47-A58C-E47AC836CA89}"/>
-              </a:ext>
-            </a:extLst>
-          </p:cNvPr>
-          <p:cNvPicPr>
-            <a:picLocks noChangeAspect="1" noChangeArrowheads="1"/>
-          </p:cNvPicPr>
-          <p:nvPr/>
-        </p:nvPicPr>
-        <p:blipFill>
-          <a:blip r:embed="rId5">
-            <a:extLst>
-              <a:ext uri="{28A0092B-C50C-407E-A947-70E740481C1C}">
-                <a14:useLocalDpi xmlns:a14="http://schemas.microsoft.com/office/drawing/2010/main" val="0"/>
-              </a:ext>
-            </a:extLst>
-          </a:blip>
-          <a:srcRect/>
-          <a:stretch>
-            <a:fillRect/>
-          </a:stretch>
-        </p:blipFill>
-        <p:spPr bwMode="auto">
-          <a:xfrm>
-            <a:off x="1915634" y="4909561"/>
-            <a:ext cx="2693064" cy="1346532"/>
-          </a:xfrm>
-          <a:prstGeom prst="rect">
-            <a:avLst/>
-          </a:prstGeom>
-          <a:noFill/>
-          <a:extLst>
-            <a:ext uri="{909E8E84-426E-40DD-AFC4-6F175D3DCCD1}">
-              <a14:hiddenFill xmlns:a14="http://schemas.microsoft.com/office/drawing/2010/main">
-                <a:solidFill>
-                  <a:srgbClr val="FFFFFF"/>
-                </a:solidFill>
-              </a14:hiddenFill>
-            </a:ext>
-          </a:extLst>
-        </p:spPr>
-      </p:pic>
-      <p:pic>
-        <p:nvPicPr>
-          <p:cNvPr id="3084" name="Picture 12" descr="Image result for swift logo">
-            <a:extLst>
-              <a:ext uri="{FF2B5EF4-FFF2-40B4-BE49-F238E27FC236}">
-                <a16:creationId xmlns:a16="http://schemas.microsoft.com/office/drawing/2014/main" id="{2D6915BE-087D-4748-8D1D-1B8482F92AE8}"/>
-              </a:ext>
-            </a:extLst>
-          </p:cNvPr>
-          <p:cNvPicPr>
-            <a:picLocks noChangeAspect="1" noChangeArrowheads="1"/>
-          </p:cNvPicPr>
-          <p:nvPr/>
-        </p:nvPicPr>
-        <p:blipFill>
-          <a:blip r:embed="rId6">
-            <a:extLst>
-              <a:ext uri="{28A0092B-C50C-407E-A947-70E740481C1C}">
-                <a14:useLocalDpi xmlns:a14="http://schemas.microsoft.com/office/drawing/2010/main" val="0"/>
-              </a:ext>
-            </a:extLst>
-          </a:blip>
-          <a:srcRect/>
-          <a:stretch>
-            <a:fillRect/>
-          </a:stretch>
-        </p:blipFill>
-        <p:spPr bwMode="auto">
-          <a:xfrm>
-            <a:off x="5128773" y="5125954"/>
-            <a:ext cx="2923986" cy="913746"/>
-          </a:xfrm>
-          <a:prstGeom prst="rect">
-            <a:avLst/>
-          </a:prstGeom>
-          <a:noFill/>
-          <a:extLst>
-            <a:ext uri="{909E8E84-426E-40DD-AFC4-6F175D3DCCD1}">
-              <a14:hiddenFill xmlns:a14="http://schemas.microsoft.com/office/drawing/2010/main">
-                <a:solidFill>
-                  <a:srgbClr val="FFFFFF"/>
-                </a:solidFill>
-              </a14:hiddenFill>
-            </a:ext>
-          </a:extLst>
-        </p:spPr>
-      </p:pic>
-      <p:pic>
-        <p:nvPicPr>
-          <p:cNvPr id="3086" name="Picture 14" descr="Image result for javascript logo">
-            <a:extLst>
-              <a:ext uri="{FF2B5EF4-FFF2-40B4-BE49-F238E27FC236}">
-                <a16:creationId xmlns:a16="http://schemas.microsoft.com/office/drawing/2014/main" id="{85A27CD7-10FD-8241-92C9-B23398CEF629}"/>
-              </a:ext>
-            </a:extLst>
-          </p:cNvPr>
-          <p:cNvPicPr>
-            <a:picLocks noChangeAspect="1" noChangeArrowheads="1"/>
-          </p:cNvPicPr>
-          <p:nvPr/>
-        </p:nvPicPr>
-        <p:blipFill>
-          <a:blip r:embed="rId7">
-            <a:extLst>
-              <a:ext uri="{28A0092B-C50C-407E-A947-70E740481C1C}">
-                <a14:useLocalDpi xmlns:a14="http://schemas.microsoft.com/office/drawing/2010/main" val="0"/>
-              </a:ext>
-            </a:extLst>
-          </a:blip>
-          <a:srcRect/>
-          <a:stretch>
-            <a:fillRect/>
-          </a:stretch>
-        </p:blipFill>
-        <p:spPr bwMode="auto">
-          <a:xfrm>
-            <a:off x="8544596" y="4626585"/>
-            <a:ext cx="1629508" cy="1629508"/>
-          </a:xfrm>
-          <a:prstGeom prst="rect">
-            <a:avLst/>
-          </a:prstGeom>
-          <a:noFill/>
-          <a:extLst>
-            <a:ext uri="{909E8E84-426E-40DD-AFC4-6F175D3DCCD1}">
-              <a14:hiddenFill xmlns:a14="http://schemas.microsoft.com/office/drawing/2010/main">
-                <a:solidFill>
-                  <a:srgbClr val="FFFFFF"/>
-                </a:solidFill>
-              </a14:hiddenFill>
-            </a:ext>
-          </a:extLst>
-        </p:spPr>
-      </p:pic>
     </p:spTree>
     <p:extLst>
       <p:ext uri="{BB962C8B-B14F-4D97-AF65-F5344CB8AC3E}">
-        <p14:creationId xmlns:p14="http://schemas.microsoft.com/office/powerpoint/2010/main" val="967511807"/>
+        <p14:creationId xmlns:p14="http://schemas.microsoft.com/office/powerpoint/2010/main" val="318537947"/>
       </p:ext>
     </p:extLst>
   </p:cSld>
@@ -8168,24 +7644,29 @@
             <p:ph type="title"/>
           </p:nvPr>
         </p:nvSpPr>
-        <p:spPr/>
+        <p:spPr>
+          <a:xfrm>
+            <a:off x="1462569" y="323689"/>
+            <a:ext cx="10037769" cy="1049235"/>
+          </a:xfrm>
+        </p:spPr>
         <p:txBody>
           <a:bodyPr/>
           <a:lstStyle/>
           <a:p>
             <a:r>
               <a:rPr lang="en-US" dirty="0"/>
-              <a:t>Analytics - SELF-SERVE TOOLS / PLATFORMS</a:t>
+              <a:t>AUTO ML / STUDIO - SELF-SERVE TOOLS / PLATFORMS</a:t>
             </a:r>
           </a:p>
         </p:txBody>
       </p:sp>
       <p:pic>
         <p:nvPicPr>
-          <p:cNvPr id="4098" name="Picture 2" descr="https://proxy.duckduckgo.com/iu/?u=https%3A%2F%2Ftse3.mm.bing.net%2Fth%3Fid%3DOIP.2NGbXTK3aiz6S39643BlEgHaHa%26pid%3D15.1&amp;f=1">
+          <p:cNvPr id="5124" name="Picture 4" descr="https://proxy.duckduckgo.com/iu/?u=https%3A%2F%2Ftse3.mm.bing.net%2Fth%3Fid%3DOIP.W360X4sX6NXyss4XN7ndTQHaHa%26pid%3D15.1&amp;f=1">
             <a:extLst>
               <a:ext uri="{FF2B5EF4-FFF2-40B4-BE49-F238E27FC236}">
-                <a16:creationId xmlns:a16="http://schemas.microsoft.com/office/drawing/2014/main" id="{ECE35006-C5BD-0D4A-AB42-6A0A895D50F7}"/>
+                <a16:creationId xmlns:a16="http://schemas.microsoft.com/office/drawing/2014/main" id="{C53166FE-2444-2C48-BD8C-29D26FDE240E}"/>
               </a:ext>
             </a:extLst>
           </p:cNvPr>
@@ -8194,7 +7675,7 @@
           </p:cNvPicPr>
           <p:nvPr/>
         </p:nvPicPr>
-        <p:blipFill rotWithShape="1">
+        <p:blipFill>
           <a:blip r:embed="rId2">
             <a:extLst>
               <a:ext uri="{28A0092B-C50C-407E-A947-70E740481C1C}">
@@ -8202,13 +7683,15 @@
               </a:ext>
             </a:extLst>
           </a:blip>
-          <a:srcRect t="28286" b="30623"/>
-          <a:stretch/>
+          <a:srcRect/>
+          <a:stretch>
+            <a:fillRect/>
+          </a:stretch>
         </p:blipFill>
         <p:spPr bwMode="auto">
           <a:xfrm>
-            <a:off x="1462569" y="2069142"/>
-            <a:ext cx="2553473" cy="1049236"/>
+            <a:off x="2192937" y="1827333"/>
+            <a:ext cx="1550377" cy="1550377"/>
           </a:xfrm>
           <a:prstGeom prst="rect">
             <a:avLst/>
@@ -8227,10 +7710,10 @@
       </p:pic>
       <p:pic>
         <p:nvPicPr>
-          <p:cNvPr id="4100" name="Picture 4" descr="File:SPSS logo.svg - Wikipedia">
+          <p:cNvPr id="5126" name="Picture 6" descr="https://proxy.duckduckgo.com/iu/?u=https%3A%2F%2Ftse2.mm.bing.net%2Fth%3Fid%3DOIP.rG554Y1fM2qQBx0cD5DfDAAAAA%26pid%3D15.1&amp;f=1">
             <a:extLst>
               <a:ext uri="{FF2B5EF4-FFF2-40B4-BE49-F238E27FC236}">
-                <a16:creationId xmlns:a16="http://schemas.microsoft.com/office/drawing/2014/main" id="{F8561817-1FD9-484E-A2AA-6E067899C366}"/>
+                <a16:creationId xmlns:a16="http://schemas.microsoft.com/office/drawing/2014/main" id="{030F8618-79B2-9140-93A9-F074F6CC4038}"/>
               </a:ext>
             </a:extLst>
           </p:cNvPr>
@@ -8239,7 +7722,7 @@
           </p:cNvPicPr>
           <p:nvPr/>
         </p:nvPicPr>
-        <p:blipFill rotWithShape="1">
+        <p:blipFill>
           <a:blip r:embed="rId3">
             <a:extLst>
               <a:ext uri="{28A0092B-C50C-407E-A947-70E740481C1C}">
@@ -8247,13 +7730,15 @@
               </a:ext>
             </a:extLst>
           </a:blip>
-          <a:srcRect t="33662" b="31446"/>
-          <a:stretch/>
+          <a:srcRect/>
+          <a:stretch>
+            <a:fillRect/>
+          </a:stretch>
         </p:blipFill>
         <p:spPr bwMode="auto">
           <a:xfrm>
-            <a:off x="4491891" y="2069142"/>
-            <a:ext cx="3007066" cy="1049235"/>
+            <a:off x="8710246" y="1789723"/>
+            <a:ext cx="1639277" cy="1639277"/>
           </a:xfrm>
           <a:prstGeom prst="rect">
             <a:avLst/>
@@ -8272,10 +7757,10 @@
       </p:pic>
       <p:pic>
         <p:nvPicPr>
-          <p:cNvPr id="4102" name="Picture 6" descr="Image result for alteryx logo">
+          <p:cNvPr id="5128" name="Picture 8" descr="Overview of Azure Machine Learning">
             <a:extLst>
               <a:ext uri="{FF2B5EF4-FFF2-40B4-BE49-F238E27FC236}">
-                <a16:creationId xmlns:a16="http://schemas.microsoft.com/office/drawing/2014/main" id="{AA82D4D1-00A6-5241-9B80-48B8A540944A}"/>
+                <a16:creationId xmlns:a16="http://schemas.microsoft.com/office/drawing/2014/main" id="{1328EA16-97B6-D340-8C36-7FE5E1D5A1A2}"/>
               </a:ext>
             </a:extLst>
           </p:cNvPr>
@@ -8292,13 +7777,13 @@
               </a:ext>
             </a:extLst>
           </a:blip>
-          <a:srcRect t="24326" b="33307"/>
+          <a:srcRect l="17647" t="28422" r="17489" b="23568"/>
           <a:stretch/>
         </p:blipFill>
         <p:spPr bwMode="auto">
           <a:xfrm>
-            <a:off x="7974806" y="2069141"/>
-            <a:ext cx="2476500" cy="1049236"/>
+            <a:off x="4674030" y="4301184"/>
+            <a:ext cx="2843939" cy="1184032"/>
           </a:xfrm>
           <a:prstGeom prst="rect">
             <a:avLst/>
@@ -8315,10 +7800,151 @@
           </a:extLst>
         </p:spPr>
       </p:pic>
+      <p:pic>
+        <p:nvPicPr>
+          <p:cNvPr id="5132" name="Picture 12" descr="MMI Announces New Partnership with KNIME.com AG | MMI ...">
+            <a:extLst>
+              <a:ext uri="{FF2B5EF4-FFF2-40B4-BE49-F238E27FC236}">
+                <a16:creationId xmlns:a16="http://schemas.microsoft.com/office/drawing/2014/main" id="{438F5009-6DA0-F24B-92B5-950E3DAA68E8}"/>
+              </a:ext>
+            </a:extLst>
+          </p:cNvPr>
+          <p:cNvPicPr>
+            <a:picLocks noChangeAspect="1" noChangeArrowheads="1"/>
+          </p:cNvPicPr>
+          <p:nvPr/>
+        </p:nvPicPr>
+        <p:blipFill>
+          <a:blip r:embed="rId5">
+            <a:extLst>
+              <a:ext uri="{28A0092B-C50C-407E-A947-70E740481C1C}">
+                <a14:useLocalDpi xmlns:a14="http://schemas.microsoft.com/office/drawing/2010/main" val="0"/>
+              </a:ext>
+            </a:extLst>
+          </a:blip>
+          <a:srcRect/>
+          <a:stretch>
+            <a:fillRect/>
+          </a:stretch>
+        </p:blipFill>
+        <p:spPr bwMode="auto">
+          <a:xfrm>
+            <a:off x="4063140" y="1372784"/>
+            <a:ext cx="3810000" cy="2705100"/>
+          </a:xfrm>
+          <a:prstGeom prst="rect">
+            <a:avLst/>
+          </a:prstGeom>
+          <a:noFill/>
+          <a:extLst>
+            <a:ext uri="{909E8E84-426E-40DD-AFC4-6F175D3DCCD1}">
+              <a14:hiddenFill xmlns:a14="http://schemas.microsoft.com/office/drawing/2010/main">
+                <a:solidFill>
+                  <a:srgbClr val="FFFFFF"/>
+                </a:solidFill>
+              </a14:hiddenFill>
+            </a:ext>
+          </a:extLst>
+        </p:spPr>
+      </p:pic>
+      <p:pic>
+        <p:nvPicPr>
+          <p:cNvPr id="5134" name="Picture 14" descr="Introducing The Mesosphere Datacenter Operating System">
+            <a:extLst>
+              <a:ext uri="{FF2B5EF4-FFF2-40B4-BE49-F238E27FC236}">
+                <a16:creationId xmlns:a16="http://schemas.microsoft.com/office/drawing/2014/main" id="{7942E3EC-0C9F-9B49-8BC2-95A12A61B098}"/>
+              </a:ext>
+            </a:extLst>
+          </p:cNvPr>
+          <p:cNvPicPr>
+            <a:picLocks noChangeAspect="1" noChangeArrowheads="1"/>
+          </p:cNvPicPr>
+          <p:nvPr/>
+        </p:nvPicPr>
+        <p:blipFill>
+          <a:blip r:embed="rId6">
+            <a:extLst>
+              <a:ext uri="{28A0092B-C50C-407E-A947-70E740481C1C}">
+                <a14:useLocalDpi xmlns:a14="http://schemas.microsoft.com/office/drawing/2010/main" val="0"/>
+              </a:ext>
+            </a:extLst>
+          </a:blip>
+          <a:srcRect/>
+          <a:stretch>
+            <a:fillRect/>
+          </a:stretch>
+        </p:blipFill>
+        <p:spPr bwMode="auto">
+          <a:xfrm>
+            <a:off x="7873140" y="3669281"/>
+            <a:ext cx="3263783" cy="2447837"/>
+          </a:xfrm>
+          <a:prstGeom prst="rect">
+            <a:avLst/>
+          </a:prstGeom>
+          <a:noFill/>
+          <a:extLst>
+            <a:ext uri="{909E8E84-426E-40DD-AFC4-6F175D3DCCD1}">
+              <a14:hiddenFill xmlns:a14="http://schemas.microsoft.com/office/drawing/2010/main">
+                <a:solidFill>
+                  <a:srgbClr val="FFFFFF"/>
+                </a:solidFill>
+              </a14:hiddenFill>
+            </a:ext>
+          </a:extLst>
+        </p:spPr>
+      </p:pic>
+      <p:pic>
+        <p:nvPicPr>
+          <p:cNvPr id="5136" name="Picture 16" descr="https://duckduckgo.com/i/b2c970b6.png">
+            <a:extLst>
+              <a:ext uri="{FF2B5EF4-FFF2-40B4-BE49-F238E27FC236}">
+                <a16:creationId xmlns:a16="http://schemas.microsoft.com/office/drawing/2014/main" id="{BB92657E-D516-764D-872A-1A817E6A2CE1}"/>
+              </a:ext>
+            </a:extLst>
+          </p:cNvPr>
+          <p:cNvPicPr>
+            <a:picLocks noChangeAspect="1" noChangeArrowheads="1"/>
+          </p:cNvPicPr>
+          <p:nvPr/>
+        </p:nvPicPr>
+        <p:blipFill>
+          <a:blip r:embed="rId7">
+            <a:extLst>
+              <a:ext uri="{28A0092B-C50C-407E-A947-70E740481C1C}">
+                <a14:useLocalDpi xmlns:a14="http://schemas.microsoft.com/office/drawing/2010/main" val="0"/>
+              </a:ext>
+            </a:extLst>
+          </a:blip>
+          <a:srcRect/>
+          <a:stretch>
+            <a:fillRect/>
+          </a:stretch>
+        </p:blipFill>
+        <p:spPr bwMode="auto">
+          <a:xfrm>
+            <a:off x="1954196" y="4505795"/>
+            <a:ext cx="1977770" cy="1184031"/>
+          </a:xfrm>
+          <a:prstGeom prst="rect">
+            <a:avLst/>
+          </a:prstGeom>
+          <a:noFill/>
+          <a:extLst>
+            <a:ext uri="{909E8E84-426E-40DD-AFC4-6F175D3DCCD1}">
+              <a14:hiddenFill xmlns:a14="http://schemas.microsoft.com/office/drawing/2010/main">
+                <a:solidFill>
+                  <a:srgbClr val="FFFFFF"/>
+                </a:solidFill>
+              </a14:hiddenFill>
+            </a:ext>
+          </a:extLst>
+        </p:spPr>
+      </p:pic>
     </p:spTree>
     <p:extLst>
       <p:ext uri="{BB962C8B-B14F-4D97-AF65-F5344CB8AC3E}">
-        <p14:creationId xmlns:p14="http://schemas.microsoft.com/office/powerpoint/2010/main" val="318537947"/>
+        <p14:creationId xmlns:p14="http://schemas.microsoft.com/office/powerpoint/2010/main" val="3570385657"/>
       </p:ext>
     </p:extLst>
   </p:cSld>
@@ -8361,29 +7987,24 @@
             <p:ph type="title"/>
           </p:nvPr>
         </p:nvSpPr>
-        <p:spPr>
-          <a:xfrm>
-            <a:off x="1462569" y="323689"/>
-            <a:ext cx="10037769" cy="1049235"/>
-          </a:xfrm>
-        </p:spPr>
+        <p:spPr/>
         <p:txBody>
           <a:bodyPr/>
           <a:lstStyle/>
           <a:p>
             <a:r>
               <a:rPr lang="en-US" dirty="0"/>
-              <a:t>AUTO ML / STUDIO - SELF-SERVE TOOLS / PLATFORMS</a:t>
+              <a:t>Visualization - SELF-SERVE TOOLS / PLATFORMS</a:t>
             </a:r>
           </a:p>
         </p:txBody>
       </p:sp>
       <p:pic>
         <p:nvPicPr>
-          <p:cNvPr id="5124" name="Picture 4" descr="https://proxy.duckduckgo.com/iu/?u=https%3A%2F%2Ftse3.mm.bing.net%2Fth%3Fid%3DOIP.W360X4sX6NXyss4XN7ndTQHaHa%26pid%3D15.1&amp;f=1">
+          <p:cNvPr id="6146" name="Picture 2" descr="https://proxy.duckduckgo.com/iu/?u=https%3A%2F%2Ftse1.mm.bing.net%2Fth%3Fid%3DOIP.WjvU4eqVTFWV2t_jitt1iAAAAA%26pid%3D15.1&amp;f=1">
             <a:extLst>
               <a:ext uri="{FF2B5EF4-FFF2-40B4-BE49-F238E27FC236}">
-                <a16:creationId xmlns:a16="http://schemas.microsoft.com/office/drawing/2014/main" id="{C53166FE-2444-2C48-BD8C-29D26FDE240E}"/>
+                <a16:creationId xmlns:a16="http://schemas.microsoft.com/office/drawing/2014/main" id="{CAC2BB30-120E-DB4E-87BA-09C53442B574}"/>
               </a:ext>
             </a:extLst>
           </p:cNvPr>
@@ -8407,8 +8028,8 @@
         </p:blipFill>
         <p:spPr bwMode="auto">
           <a:xfrm>
-            <a:off x="2192937" y="1827333"/>
-            <a:ext cx="1550377" cy="1550377"/>
+            <a:off x="1569284" y="2017693"/>
+            <a:ext cx="2443393" cy="1417168"/>
           </a:xfrm>
           <a:prstGeom prst="rect">
             <a:avLst/>
@@ -8427,10 +8048,10 @@
       </p:pic>
       <p:pic>
         <p:nvPicPr>
-          <p:cNvPr id="5126" name="Picture 6" descr="https://proxy.duckduckgo.com/iu/?u=https%3A%2F%2Ftse2.mm.bing.net%2Fth%3Fid%3DOIP.rG554Y1fM2qQBx0cD5DfDAAAAA%26pid%3D15.1&amp;f=1">
+          <p:cNvPr id="6148" name="Picture 4" descr="Qlik">
             <a:extLst>
               <a:ext uri="{FF2B5EF4-FFF2-40B4-BE49-F238E27FC236}">
-                <a16:creationId xmlns:a16="http://schemas.microsoft.com/office/drawing/2014/main" id="{030F8618-79B2-9140-93A9-F074F6CC4038}"/>
+                <a16:creationId xmlns:a16="http://schemas.microsoft.com/office/drawing/2014/main" id="{67F72D21-E183-1143-A50F-0E8FDE3FE378}"/>
               </a:ext>
             </a:extLst>
           </p:cNvPr>
@@ -8454,8 +8075,8 @@
         </p:blipFill>
         <p:spPr bwMode="auto">
           <a:xfrm>
-            <a:off x="8710246" y="1789723"/>
-            <a:ext cx="1639277" cy="1639277"/>
+            <a:off x="4509822" y="2241061"/>
+            <a:ext cx="3911600" cy="1193800"/>
           </a:xfrm>
           <a:prstGeom prst="rect">
             <a:avLst/>
@@ -8474,10 +8095,10 @@
       </p:pic>
       <p:pic>
         <p:nvPicPr>
-          <p:cNvPr id="5128" name="Picture 8" descr="Overview of Azure Machine Learning">
+          <p:cNvPr id="6152" name="Picture 8" descr="Related image">
             <a:extLst>
               <a:ext uri="{FF2B5EF4-FFF2-40B4-BE49-F238E27FC236}">
-                <a16:creationId xmlns:a16="http://schemas.microsoft.com/office/drawing/2014/main" id="{1328EA16-97B6-D340-8C36-7FE5E1D5A1A2}"/>
+                <a16:creationId xmlns:a16="http://schemas.microsoft.com/office/drawing/2014/main" id="{BFD89004-FDC5-2B4D-881B-7749B6A2CD69}"/>
               </a:ext>
             </a:extLst>
           </p:cNvPr>
@@ -8486,7 +8107,7 @@
           </p:cNvPicPr>
           <p:nvPr/>
         </p:nvPicPr>
-        <p:blipFill rotWithShape="1">
+        <p:blipFill>
           <a:blip r:embed="rId4">
             <a:extLst>
               <a:ext uri="{28A0092B-C50C-407E-A947-70E740481C1C}">
@@ -8494,13 +8115,15 @@
               </a:ext>
             </a:extLst>
           </a:blip>
-          <a:srcRect l="17647" t="28422" r="17489" b="23568"/>
-          <a:stretch/>
+          <a:srcRect/>
+          <a:stretch>
+            <a:fillRect/>
+          </a:stretch>
         </p:blipFill>
         <p:spPr bwMode="auto">
           <a:xfrm>
-            <a:off x="4674030" y="4301184"/>
-            <a:ext cx="2843939" cy="1184032"/>
+            <a:off x="8918567" y="1764322"/>
+            <a:ext cx="2147277" cy="2147277"/>
           </a:xfrm>
           <a:prstGeom prst="rect">
             <a:avLst/>
@@ -8517,151 +8140,10 @@
           </a:extLst>
         </p:spPr>
       </p:pic>
-      <p:pic>
-        <p:nvPicPr>
-          <p:cNvPr id="5132" name="Picture 12" descr="MMI Announces New Partnership with KNIME.com AG | MMI ...">
-            <a:extLst>
-              <a:ext uri="{FF2B5EF4-FFF2-40B4-BE49-F238E27FC236}">
-                <a16:creationId xmlns:a16="http://schemas.microsoft.com/office/drawing/2014/main" id="{438F5009-6DA0-F24B-92B5-950E3DAA68E8}"/>
-              </a:ext>
-            </a:extLst>
-          </p:cNvPr>
-          <p:cNvPicPr>
-            <a:picLocks noChangeAspect="1" noChangeArrowheads="1"/>
-          </p:cNvPicPr>
-          <p:nvPr/>
-        </p:nvPicPr>
-        <p:blipFill>
-          <a:blip r:embed="rId5">
-            <a:extLst>
-              <a:ext uri="{28A0092B-C50C-407E-A947-70E740481C1C}">
-                <a14:useLocalDpi xmlns:a14="http://schemas.microsoft.com/office/drawing/2010/main" val="0"/>
-              </a:ext>
-            </a:extLst>
-          </a:blip>
-          <a:srcRect/>
-          <a:stretch>
-            <a:fillRect/>
-          </a:stretch>
-        </p:blipFill>
-        <p:spPr bwMode="auto">
-          <a:xfrm>
-            <a:off x="4063140" y="1372784"/>
-            <a:ext cx="3810000" cy="2705100"/>
-          </a:xfrm>
-          <a:prstGeom prst="rect">
-            <a:avLst/>
-          </a:prstGeom>
-          <a:noFill/>
-          <a:extLst>
-            <a:ext uri="{909E8E84-426E-40DD-AFC4-6F175D3DCCD1}">
-              <a14:hiddenFill xmlns:a14="http://schemas.microsoft.com/office/drawing/2010/main">
-                <a:solidFill>
-                  <a:srgbClr val="FFFFFF"/>
-                </a:solidFill>
-              </a14:hiddenFill>
-            </a:ext>
-          </a:extLst>
-        </p:spPr>
-      </p:pic>
-      <p:pic>
-        <p:nvPicPr>
-          <p:cNvPr id="5134" name="Picture 14" descr="Introducing The Mesosphere Datacenter Operating System">
-            <a:extLst>
-              <a:ext uri="{FF2B5EF4-FFF2-40B4-BE49-F238E27FC236}">
-                <a16:creationId xmlns:a16="http://schemas.microsoft.com/office/drawing/2014/main" id="{7942E3EC-0C9F-9B49-8BC2-95A12A61B098}"/>
-              </a:ext>
-            </a:extLst>
-          </p:cNvPr>
-          <p:cNvPicPr>
-            <a:picLocks noChangeAspect="1" noChangeArrowheads="1"/>
-          </p:cNvPicPr>
-          <p:nvPr/>
-        </p:nvPicPr>
-        <p:blipFill>
-          <a:blip r:embed="rId6">
-            <a:extLst>
-              <a:ext uri="{28A0092B-C50C-407E-A947-70E740481C1C}">
-                <a14:useLocalDpi xmlns:a14="http://schemas.microsoft.com/office/drawing/2010/main" val="0"/>
-              </a:ext>
-            </a:extLst>
-          </a:blip>
-          <a:srcRect/>
-          <a:stretch>
-            <a:fillRect/>
-          </a:stretch>
-        </p:blipFill>
-        <p:spPr bwMode="auto">
-          <a:xfrm>
-            <a:off x="7873140" y="3669281"/>
-            <a:ext cx="3263783" cy="2447837"/>
-          </a:xfrm>
-          <a:prstGeom prst="rect">
-            <a:avLst/>
-          </a:prstGeom>
-          <a:noFill/>
-          <a:extLst>
-            <a:ext uri="{909E8E84-426E-40DD-AFC4-6F175D3DCCD1}">
-              <a14:hiddenFill xmlns:a14="http://schemas.microsoft.com/office/drawing/2010/main">
-                <a:solidFill>
-                  <a:srgbClr val="FFFFFF"/>
-                </a:solidFill>
-              </a14:hiddenFill>
-            </a:ext>
-          </a:extLst>
-        </p:spPr>
-      </p:pic>
-      <p:pic>
-        <p:nvPicPr>
-          <p:cNvPr id="5136" name="Picture 16" descr="https://duckduckgo.com/i/b2c970b6.png">
-            <a:extLst>
-              <a:ext uri="{FF2B5EF4-FFF2-40B4-BE49-F238E27FC236}">
-                <a16:creationId xmlns:a16="http://schemas.microsoft.com/office/drawing/2014/main" id="{BB92657E-D516-764D-872A-1A817E6A2CE1}"/>
-              </a:ext>
-            </a:extLst>
-          </p:cNvPr>
-          <p:cNvPicPr>
-            <a:picLocks noChangeAspect="1" noChangeArrowheads="1"/>
-          </p:cNvPicPr>
-          <p:nvPr/>
-        </p:nvPicPr>
-        <p:blipFill>
-          <a:blip r:embed="rId7">
-            <a:extLst>
-              <a:ext uri="{28A0092B-C50C-407E-A947-70E740481C1C}">
-                <a14:useLocalDpi xmlns:a14="http://schemas.microsoft.com/office/drawing/2010/main" val="0"/>
-              </a:ext>
-            </a:extLst>
-          </a:blip>
-          <a:srcRect/>
-          <a:stretch>
-            <a:fillRect/>
-          </a:stretch>
-        </p:blipFill>
-        <p:spPr bwMode="auto">
-          <a:xfrm>
-            <a:off x="1954196" y="4505795"/>
-            <a:ext cx="1977770" cy="1184031"/>
-          </a:xfrm>
-          <a:prstGeom prst="rect">
-            <a:avLst/>
-          </a:prstGeom>
-          <a:noFill/>
-          <a:extLst>
-            <a:ext uri="{909E8E84-426E-40DD-AFC4-6F175D3DCCD1}">
-              <a14:hiddenFill xmlns:a14="http://schemas.microsoft.com/office/drawing/2010/main">
-                <a:solidFill>
-                  <a:srgbClr val="FFFFFF"/>
-                </a:solidFill>
-              </a14:hiddenFill>
-            </a:ext>
-          </a:extLst>
-        </p:spPr>
-      </p:pic>
     </p:spTree>
     <p:extLst>
       <p:ext uri="{BB962C8B-B14F-4D97-AF65-F5344CB8AC3E}">
-        <p14:creationId xmlns:p14="http://schemas.microsoft.com/office/powerpoint/2010/main" val="3570385657"/>
+        <p14:creationId xmlns:p14="http://schemas.microsoft.com/office/powerpoint/2010/main" val="4082633186"/>
       </p:ext>
     </p:extLst>
   </p:cSld>
@@ -8711,17 +8193,17 @@
           <a:p>
             <a:r>
               <a:rPr lang="en-US" dirty="0"/>
-              <a:t>Visualization - SELF-SERVE TOOLS / PLATFORMS</a:t>
+              <a:t>Deep learning frameworks</a:t>
             </a:r>
           </a:p>
         </p:txBody>
       </p:sp>
       <p:pic>
         <p:nvPicPr>
-          <p:cNvPr id="6146" name="Picture 2" descr="https://proxy.duckduckgo.com/iu/?u=https%3A%2F%2Ftse1.mm.bing.net%2Fth%3Fid%3DOIP.WjvU4eqVTFWV2t_jitt1iAAAAA%26pid%3D15.1&amp;f=1">
+          <p:cNvPr id="7170" name="Picture 2" descr="top-deep-learning-framework">
             <a:extLst>
               <a:ext uri="{FF2B5EF4-FFF2-40B4-BE49-F238E27FC236}">
-                <a16:creationId xmlns:a16="http://schemas.microsoft.com/office/drawing/2014/main" id="{CAC2BB30-120E-DB4E-87BA-09C53442B574}"/>
+                <a16:creationId xmlns:a16="http://schemas.microsoft.com/office/drawing/2014/main" id="{0D5A91C6-4F2D-C24C-8776-332BFC6EB35F}"/>
               </a:ext>
             </a:extLst>
           </p:cNvPr>
@@ -8745,8 +8227,8 @@
         </p:blipFill>
         <p:spPr bwMode="auto">
           <a:xfrm>
-            <a:off x="1569284" y="2017693"/>
-            <a:ext cx="2443393" cy="1417168"/>
+            <a:off x="864691" y="1489177"/>
+            <a:ext cx="2198819" cy="1839199"/>
           </a:xfrm>
           <a:prstGeom prst="rect">
             <a:avLst/>
@@ -8765,10 +8247,10 @@
       </p:pic>
       <p:pic>
         <p:nvPicPr>
-          <p:cNvPr id="6148" name="Picture 4" descr="Qlik">
+          <p:cNvPr id="7172" name="Picture 4" descr="pytorch-top-deep-learning-framework">
             <a:extLst>
               <a:ext uri="{FF2B5EF4-FFF2-40B4-BE49-F238E27FC236}">
-                <a16:creationId xmlns:a16="http://schemas.microsoft.com/office/drawing/2014/main" id="{67F72D21-E183-1143-A50F-0E8FDE3FE378}"/>
+                <a16:creationId xmlns:a16="http://schemas.microsoft.com/office/drawing/2014/main" id="{61B2BB56-9DAC-AD45-BC6D-65BA24EE1B20}"/>
               </a:ext>
             </a:extLst>
           </p:cNvPr>
@@ -8792,8 +8274,8 @@
         </p:blipFill>
         <p:spPr bwMode="auto">
           <a:xfrm>
-            <a:off x="4509822" y="2241061"/>
-            <a:ext cx="3911600" cy="1193800"/>
+            <a:off x="7362329" y="2083776"/>
+            <a:ext cx="4559300" cy="1244600"/>
           </a:xfrm>
           <a:prstGeom prst="rect">
             <a:avLst/>
@@ -8812,10 +8294,10 @@
       </p:pic>
       <p:pic>
         <p:nvPicPr>
-          <p:cNvPr id="6152" name="Picture 8" descr="Related image">
+          <p:cNvPr id="7174" name="Picture 6" descr="keras-top-deep-learning-framework">
             <a:extLst>
               <a:ext uri="{FF2B5EF4-FFF2-40B4-BE49-F238E27FC236}">
-                <a16:creationId xmlns:a16="http://schemas.microsoft.com/office/drawing/2014/main" id="{BFD89004-FDC5-2B4D-881B-7749B6A2CD69}"/>
+                <a16:creationId xmlns:a16="http://schemas.microsoft.com/office/drawing/2014/main" id="{6A594423-6075-B84B-B060-0FE98A802109}"/>
               </a:ext>
             </a:extLst>
           </p:cNvPr>
@@ -8839,8 +8321,8 @@
         </p:blipFill>
         <p:spPr bwMode="auto">
           <a:xfrm>
-            <a:off x="8918567" y="1764322"/>
-            <a:ext cx="2147277" cy="2147277"/>
+            <a:off x="3590429" y="2236176"/>
+            <a:ext cx="3771900" cy="1092200"/>
           </a:xfrm>
           <a:prstGeom prst="rect">
             <a:avLst/>
@@ -8857,10 +8339,149 @@
           </a:extLst>
         </p:spPr>
       </p:pic>
+      <p:pic>
+        <p:nvPicPr>
+          <p:cNvPr id="7176" name="Picture 8" descr="microsoft-top-deep-learning-framework">
+            <a:extLst>
+              <a:ext uri="{FF2B5EF4-FFF2-40B4-BE49-F238E27FC236}">
+                <a16:creationId xmlns:a16="http://schemas.microsoft.com/office/drawing/2014/main" id="{3C8A805F-6830-5044-810A-A195E291F45B}"/>
+              </a:ext>
+            </a:extLst>
+          </p:cNvPr>
+          <p:cNvPicPr>
+            <a:picLocks noChangeAspect="1" noChangeArrowheads="1"/>
+          </p:cNvPicPr>
+          <p:nvPr/>
+        </p:nvPicPr>
+        <p:blipFill rotWithShape="1">
+          <a:blip r:embed="rId5">
+            <a:extLst>
+              <a:ext uri="{28A0092B-C50C-407E-A947-70E740481C1C}">
+                <a14:useLocalDpi xmlns:a14="http://schemas.microsoft.com/office/drawing/2010/main" val="0"/>
+              </a:ext>
+            </a:extLst>
+          </a:blip>
+          <a:srcRect l="25546" r="27701"/>
+          <a:stretch/>
+        </p:blipFill>
+        <p:spPr bwMode="auto">
+          <a:xfrm>
+            <a:off x="2570521" y="4004058"/>
+            <a:ext cx="1828800" cy="2197100"/>
+          </a:xfrm>
+          <a:prstGeom prst="rect">
+            <a:avLst/>
+          </a:prstGeom>
+          <a:noFill/>
+          <a:extLst>
+            <a:ext uri="{909E8E84-426E-40DD-AFC4-6F175D3DCCD1}">
+              <a14:hiddenFill xmlns:a14="http://schemas.microsoft.com/office/drawing/2010/main">
+                <a:solidFill>
+                  <a:srgbClr val="FFFFFF"/>
+                </a:solidFill>
+              </a14:hiddenFill>
+            </a:ext>
+          </a:extLst>
+        </p:spPr>
+      </p:pic>
+      <p:pic>
+        <p:nvPicPr>
+          <p:cNvPr id="7178" name="Picture 10" descr="Image result for gluon">
+            <a:extLst>
+              <a:ext uri="{FF2B5EF4-FFF2-40B4-BE49-F238E27FC236}">
+                <a16:creationId xmlns:a16="http://schemas.microsoft.com/office/drawing/2014/main" id="{E71F37B9-442F-2C46-84E2-964985DDC709}"/>
+              </a:ext>
+            </a:extLst>
+          </p:cNvPr>
+          <p:cNvPicPr>
+            <a:picLocks noChangeAspect="1" noChangeArrowheads="1"/>
+          </p:cNvPicPr>
+          <p:nvPr/>
+        </p:nvPicPr>
+        <p:blipFill>
+          <a:blip r:embed="rId6">
+            <a:extLst>
+              <a:ext uri="{28A0092B-C50C-407E-A947-70E740481C1C}">
+                <a14:useLocalDpi xmlns:a14="http://schemas.microsoft.com/office/drawing/2010/main" val="0"/>
+              </a:ext>
+            </a:extLst>
+          </a:blip>
+          <a:srcRect/>
+          <a:stretch>
+            <a:fillRect/>
+          </a:stretch>
+        </p:blipFill>
+        <p:spPr bwMode="auto">
+          <a:xfrm>
+            <a:off x="8264029" y="4383126"/>
+            <a:ext cx="2075755" cy="1619089"/>
+          </a:xfrm>
+          <a:prstGeom prst="rect">
+            <a:avLst/>
+          </a:prstGeom>
+          <a:noFill/>
+          <a:extLst>
+            <a:ext uri="{909E8E84-426E-40DD-AFC4-6F175D3DCCD1}">
+              <a14:hiddenFill xmlns:a14="http://schemas.microsoft.com/office/drawing/2010/main">
+                <a:solidFill>
+                  <a:srgbClr val="FFFFFF"/>
+                </a:solidFill>
+              </a14:hiddenFill>
+            </a:ext>
+          </a:extLst>
+        </p:spPr>
+      </p:pic>
+      <p:pic>
+        <p:nvPicPr>
+          <p:cNvPr id="7180" name="Picture 12" descr="Image result for mxnet">
+            <a:extLst>
+              <a:ext uri="{FF2B5EF4-FFF2-40B4-BE49-F238E27FC236}">
+                <a16:creationId xmlns:a16="http://schemas.microsoft.com/office/drawing/2014/main" id="{AD5A7E58-829C-3649-9C4A-71FC9920994A}"/>
+              </a:ext>
+            </a:extLst>
+          </p:cNvPr>
+          <p:cNvPicPr>
+            <a:picLocks noChangeAspect="1" noChangeArrowheads="1"/>
+          </p:cNvPicPr>
+          <p:nvPr/>
+        </p:nvPicPr>
+        <p:blipFill>
+          <a:blip r:embed="rId7">
+            <a:extLst>
+              <a:ext uri="{28A0092B-C50C-407E-A947-70E740481C1C}">
+                <a14:useLocalDpi xmlns:a14="http://schemas.microsoft.com/office/drawing/2010/main" val="0"/>
+              </a:ext>
+            </a:extLst>
+          </a:blip>
+          <a:srcRect/>
+          <a:stretch>
+            <a:fillRect/>
+          </a:stretch>
+        </p:blipFill>
+        <p:spPr bwMode="auto">
+          <a:xfrm>
+            <a:off x="4744175" y="4649745"/>
+            <a:ext cx="3175000" cy="1085850"/>
+          </a:xfrm>
+          <a:prstGeom prst="rect">
+            <a:avLst/>
+          </a:prstGeom>
+          <a:noFill/>
+          <a:extLst>
+            <a:ext uri="{909E8E84-426E-40DD-AFC4-6F175D3DCCD1}">
+              <a14:hiddenFill xmlns:a14="http://schemas.microsoft.com/office/drawing/2010/main">
+                <a:solidFill>
+                  <a:srgbClr val="FFFFFF"/>
+                </a:solidFill>
+              </a14:hiddenFill>
+            </a:ext>
+          </a:extLst>
+        </p:spPr>
+      </p:pic>
     </p:spTree>
     <p:extLst>
       <p:ext uri="{BB962C8B-B14F-4D97-AF65-F5344CB8AC3E}">
-        <p14:creationId xmlns:p14="http://schemas.microsoft.com/office/powerpoint/2010/main" val="4082633186"/>
+        <p14:creationId xmlns:p14="http://schemas.microsoft.com/office/powerpoint/2010/main" val="4193801918"/>
       </p:ext>
     </p:extLst>
   </p:cSld>
